--- a/ICS PPT.pptx
+++ b/ICS PPT.pptx
@@ -5,29 +5,31 @@
     <p:sldMasterId id="2147483672" r:id="rId1"/>
   </p:sldMasterIdLst>
   <p:notesMasterIdLst>
-    <p:notesMasterId r:id="rId19"/>
+    <p:notesMasterId r:id="rId21"/>
   </p:notesMasterIdLst>
   <p:handoutMasterIdLst>
-    <p:handoutMasterId r:id="rId20"/>
+    <p:handoutMasterId r:id="rId22"/>
   </p:handoutMasterIdLst>
   <p:sldIdLst>
     <p:sldId id="256" r:id="rId2"/>
-    <p:sldId id="261" r:id="rId3"/>
-    <p:sldId id="258" r:id="rId4"/>
-    <p:sldId id="259" r:id="rId5"/>
-    <p:sldId id="263" r:id="rId6"/>
-    <p:sldId id="264" r:id="rId7"/>
-    <p:sldId id="265" r:id="rId8"/>
-    <p:sldId id="267" r:id="rId9"/>
-    <p:sldId id="266" r:id="rId10"/>
-    <p:sldId id="268" r:id="rId11"/>
-    <p:sldId id="269" r:id="rId12"/>
-    <p:sldId id="270" r:id="rId13"/>
-    <p:sldId id="271" r:id="rId14"/>
-    <p:sldId id="272" r:id="rId15"/>
-    <p:sldId id="274" r:id="rId16"/>
-    <p:sldId id="273" r:id="rId17"/>
-    <p:sldId id="260" r:id="rId18"/>
+    <p:sldId id="276" r:id="rId3"/>
+    <p:sldId id="275" r:id="rId4"/>
+    <p:sldId id="261" r:id="rId5"/>
+    <p:sldId id="258" r:id="rId6"/>
+    <p:sldId id="259" r:id="rId7"/>
+    <p:sldId id="263" r:id="rId8"/>
+    <p:sldId id="264" r:id="rId9"/>
+    <p:sldId id="265" r:id="rId10"/>
+    <p:sldId id="267" r:id="rId11"/>
+    <p:sldId id="266" r:id="rId12"/>
+    <p:sldId id="268" r:id="rId13"/>
+    <p:sldId id="269" r:id="rId14"/>
+    <p:sldId id="270" r:id="rId15"/>
+    <p:sldId id="271" r:id="rId16"/>
+    <p:sldId id="272" r:id="rId17"/>
+    <p:sldId id="274" r:id="rId18"/>
+    <p:sldId id="273" r:id="rId19"/>
+    <p:sldId id="260" r:id="rId20"/>
   </p:sldIdLst>
   <p:sldSz cx="12192000" cy="6858000"/>
   <p:notesSz cx="6858000" cy="9144000"/>
@@ -237,7 +239,7 @@
           <a:p>
             <a:fld id="{AF869721-F543-4A6C-BF9D-65D7CC540427}" type="datetimeFigureOut">
               <a:rPr lang="en-US" smtClean="0"/>
-              <a:t>10/27/2022</a:t>
+              <a:t>11/2/2022</a:t>
             </a:fld>
             <a:endParaRPr lang="en-US" dirty="0"/>
           </a:p>
@@ -414,7 +416,7 @@
           <a:p>
             <a:fld id="{C732326A-4C88-4AFB-AA5B-5919D81DFF5B}" type="datetimeFigureOut">
               <a:rPr lang="en-US" smtClean="0"/>
-              <a:t>10/27/2022</a:t>
+              <a:t>11/2/2022</a:t>
             </a:fld>
             <a:endParaRPr lang="en-US" dirty="0"/>
           </a:p>
@@ -830,7 +832,7 @@
           <a:p>
             <a:fld id="{C6B3AB32-59DF-41F1-9618-EDFBF5049629}" type="slidenum">
               <a:rPr lang="en-US" smtClean="0"/>
-              <a:t>2</a:t>
+              <a:t>4</a:t>
             </a:fld>
             <a:endParaRPr lang="en-US" dirty="0"/>
           </a:p>
@@ -914,7 +916,7 @@
           <a:p>
             <a:fld id="{C6B3AB32-59DF-41F1-9618-EDFBF5049629}" type="slidenum">
               <a:rPr lang="en-US" smtClean="0"/>
-              <a:t>4</a:t>
+              <a:t>6</a:t>
             </a:fld>
             <a:endParaRPr lang="en-US" dirty="0"/>
           </a:p>
@@ -998,7 +1000,7 @@
           <a:p>
             <a:fld id="{C6B3AB32-59DF-41F1-9618-EDFBF5049629}" type="slidenum">
               <a:rPr lang="en-US" smtClean="0"/>
-              <a:t>6</a:t>
+              <a:t>8</a:t>
             </a:fld>
             <a:endParaRPr lang="en-US" dirty="0"/>
           </a:p>
@@ -1082,7 +1084,7 @@
           <a:p>
             <a:fld id="{C6B3AB32-59DF-41F1-9618-EDFBF5049629}" type="slidenum">
               <a:rPr lang="en-US" smtClean="0"/>
-              <a:t>17</a:t>
+              <a:t>19</a:t>
             </a:fld>
             <a:endParaRPr lang="en-US" dirty="0"/>
           </a:p>
@@ -1347,7 +1349,7 @@
             <a:fld id="{B61BEF0D-F0BB-DE4B-95CE-6DB70DBA9567}" type="datetimeFigureOut">
               <a:rPr lang="en-US" smtClean="0"/>
               <a:pPr/>
-              <a:t>10/27/2022</a:t>
+              <a:t>11/2/2022</a:t>
             </a:fld>
             <a:endParaRPr lang="en-US" dirty="0"/>
           </a:p>
@@ -1611,7 +1613,7 @@
             <a:fld id="{B61BEF0D-F0BB-DE4B-95CE-6DB70DBA9567}" type="datetimeFigureOut">
               <a:rPr lang="en-US" smtClean="0"/>
               <a:pPr/>
-              <a:t>10/27/2022</a:t>
+              <a:t>11/2/2022</a:t>
             </a:fld>
             <a:endParaRPr lang="en-US" dirty="0"/>
           </a:p>
@@ -1848,7 +1850,7 @@
             <a:fld id="{B61BEF0D-F0BB-DE4B-95CE-6DB70DBA9567}" type="datetimeFigureOut">
               <a:rPr lang="en-US" smtClean="0"/>
               <a:pPr/>
-              <a:t>10/27/2022</a:t>
+              <a:t>11/2/2022</a:t>
             </a:fld>
             <a:endParaRPr lang="en-US" dirty="0"/>
           </a:p>
@@ -2090,7 +2092,7 @@
             <a:fld id="{B61BEF0D-F0BB-DE4B-95CE-6DB70DBA9567}" type="datetimeFigureOut">
               <a:rPr lang="en-US" smtClean="0"/>
               <a:pPr/>
-              <a:t>10/27/2022</a:t>
+              <a:t>11/2/2022</a:t>
             </a:fld>
             <a:endParaRPr lang="en-US" dirty="0"/>
           </a:p>
@@ -2399,7 +2401,7 @@
             <a:fld id="{B61BEF0D-F0BB-DE4B-95CE-6DB70DBA9567}" type="datetimeFigureOut">
               <a:rPr lang="en-US" smtClean="0"/>
               <a:pPr/>
-              <a:t>10/27/2022</a:t>
+              <a:t>11/2/2022</a:t>
             </a:fld>
             <a:endParaRPr lang="en-US" dirty="0"/>
           </a:p>
@@ -2703,7 +2705,7 @@
             <a:fld id="{B61BEF0D-F0BB-DE4B-95CE-6DB70DBA9567}" type="datetimeFigureOut">
               <a:rPr lang="en-US" smtClean="0"/>
               <a:pPr/>
-              <a:t>10/27/2022</a:t>
+              <a:t>11/2/2022</a:t>
             </a:fld>
             <a:endParaRPr lang="en-US" dirty="0"/>
           </a:p>
@@ -3127,7 +3129,7 @@
             <a:fld id="{B61BEF0D-F0BB-DE4B-95CE-6DB70DBA9567}" type="datetimeFigureOut">
               <a:rPr lang="en-US" smtClean="0"/>
               <a:pPr/>
-              <a:t>10/27/2022</a:t>
+              <a:t>11/2/2022</a:t>
             </a:fld>
             <a:endParaRPr lang="en-US" dirty="0"/>
           </a:p>
@@ -3224,7 +3226,7 @@
             <a:fld id="{B61BEF0D-F0BB-DE4B-95CE-6DB70DBA9567}" type="datetimeFigureOut">
               <a:rPr lang="en-US" smtClean="0"/>
               <a:pPr/>
-              <a:t>10/27/2022</a:t>
+              <a:t>11/2/2022</a:t>
             </a:fld>
             <a:endParaRPr lang="en-US" dirty="0"/>
           </a:p>
@@ -3388,7 +3390,7 @@
             <a:fld id="{B61BEF0D-F0BB-DE4B-95CE-6DB70DBA9567}" type="datetimeFigureOut">
               <a:rPr lang="en-US" smtClean="0"/>
               <a:pPr/>
-              <a:t>10/27/2022</a:t>
+              <a:t>11/2/2022</a:t>
             </a:fld>
             <a:endParaRPr lang="en-US" dirty="0"/>
           </a:p>
@@ -3768,7 +3770,7 @@
             <a:fld id="{B61BEF0D-F0BB-DE4B-95CE-6DB70DBA9567}" type="datetimeFigureOut">
               <a:rPr lang="en-US" smtClean="0"/>
               <a:pPr/>
-              <a:t>10/27/2022</a:t>
+              <a:t>11/2/2022</a:t>
             </a:fld>
             <a:endParaRPr lang="en-US" dirty="0"/>
           </a:p>
@@ -4059,7 +4061,7 @@
             <a:fld id="{B61BEF0D-F0BB-DE4B-95CE-6DB70DBA9567}" type="datetimeFigureOut">
               <a:rPr lang="en-US" smtClean="0"/>
               <a:pPr/>
-              <a:t>10/27/2022</a:t>
+              <a:t>11/2/2022</a:t>
             </a:fld>
             <a:endParaRPr lang="en-US" dirty="0"/>
           </a:p>
@@ -4272,7 +4274,7 @@
             <a:fld id="{B61BEF0D-F0BB-DE4B-95CE-6DB70DBA9567}" type="datetimeFigureOut">
               <a:rPr lang="en-US" smtClean="0"/>
               <a:pPr/>
-              <a:t>10/27/2022</a:t>
+              <a:t>11/2/2022</a:t>
             </a:fld>
             <a:endParaRPr lang="en-US" dirty="0"/>
           </a:p>
@@ -5512,7 +5514,7 @@
           <p:cNvPr id="2" name="Title 1">
             <a:extLst>
               <a:ext uri="{FF2B5EF4-FFF2-40B4-BE49-F238E27FC236}">
-                <a16:creationId xmlns:a16="http://schemas.microsoft.com/office/drawing/2014/main" id="{DA7E1613-E5C1-B6AD-B3BA-8B5D39BA0562}"/>
+                <a16:creationId xmlns:a16="http://schemas.microsoft.com/office/drawing/2014/main" id="{63BF0777-9EE0-5F97-211A-29120BF8542C}"/>
               </a:ext>
             </a:extLst>
           </p:cNvPr>
@@ -5523,69 +5525,277 @@
             <p:ph type="title"/>
           </p:nvPr>
         </p:nvSpPr>
-        <p:spPr>
-          <a:xfrm>
-            <a:off x="581193" y="729658"/>
-            <a:ext cx="11029616" cy="988332"/>
-          </a:xfrm>
-        </p:spPr>
-        <p:txBody>
-          <a:bodyPr anchor="b">
-            <a:normAutofit/>
-          </a:bodyPr>
+        <p:spPr/>
+        <p:txBody>
+          <a:bodyPr/>
           <a:lstStyle/>
           <a:p>
             <a:r>
-              <a:rPr lang="en-US" b="1">
-                <a:effectLst/>
-              </a:rPr>
-              <a:t>Intelligent delivery system (drone)</a:t>
-            </a:r>
-            <a:br>
-              <a:rPr lang="en-US">
-                <a:effectLst/>
-              </a:rPr>
-            </a:br>
-            <a:endParaRPr lang="en-US" dirty="0"/>
-          </a:p>
-        </p:txBody>
-      </p:sp>
-      <p:pic>
-        <p:nvPicPr>
-          <p:cNvPr id="7" name="Picture 6" descr="A picture containing text, sky, nature&#10;&#10;Description automatically generated">
+              <a:rPr lang="en-US" dirty="0"/>
+              <a:t>Smart home </a:t>
+            </a:r>
+          </a:p>
+        </p:txBody>
+      </p:sp>
+      <p:sp>
+        <p:nvSpPr>
+          <p:cNvPr id="3" name="Content Placeholder 2">
             <a:extLst>
               <a:ext uri="{FF2B5EF4-FFF2-40B4-BE49-F238E27FC236}">
-                <a16:creationId xmlns:a16="http://schemas.microsoft.com/office/drawing/2014/main" id="{EC0EBA2E-5158-1813-C100-2675F0BD7C4D}"/>
+                <a16:creationId xmlns:a16="http://schemas.microsoft.com/office/drawing/2014/main" id="{E180A919-9B3D-E64E-055F-9B4B2AE15D8B}"/>
               </a:ext>
             </a:extLst>
           </p:cNvPr>
-          <p:cNvPicPr>
-            <a:picLocks noChangeAspect="1"/>
-          </p:cNvPicPr>
-          <p:nvPr/>
-        </p:nvPicPr>
-        <p:blipFill rotWithShape="1">
-          <a:blip r:embed="rId2"/>
-          <a:srcRect l="7732" r="9433"/>
-          <a:stretch/>
-        </p:blipFill>
-        <p:spPr>
-          <a:xfrm>
-            <a:off x="581193" y="2228003"/>
-            <a:ext cx="5422390" cy="3633047"/>
-          </a:xfrm>
-          <a:prstGeom prst="rect">
-            <a:avLst/>
-          </a:prstGeom>
-          <a:noFill/>
-        </p:spPr>
-      </p:pic>
-      <p:sp>
-        <p:nvSpPr>
-          <p:cNvPr id="3" name="Content Placeholder 2">
+          <p:cNvSpPr>
+            <a:spLocks noGrp="1"/>
+          </p:cNvSpPr>
+          <p:nvPr>
+            <p:ph sz="half" idx="2"/>
+          </p:nvPr>
+        </p:nvSpPr>
+        <p:spPr>
+          <a:xfrm>
+            <a:off x="702900" y="2739439"/>
+            <a:ext cx="5393100" cy="2934999"/>
+          </a:xfrm>
+        </p:spPr>
+        <p:txBody>
+          <a:bodyPr/>
+          <a:lstStyle/>
+          <a:p>
+            <a:pPr marL="342900" marR="0" lvl="0" indent="-342900" algn="just">
+              <a:lnSpc>
+                <a:spcPct val="107000"/>
+              </a:lnSpc>
+              <a:spcBef>
+                <a:spcPts val="0"/>
+              </a:spcBef>
+              <a:spcAft>
+                <a:spcPts val="0"/>
+              </a:spcAft>
+              <a:buFont typeface="Symbol" panose="05050102010706020507" pitchFamily="18" charset="2"/>
+              <a:buChar char=""/>
+            </a:pPr>
+            <a:r>
+              <a:rPr lang="en-US" sz="2000" b="1" dirty="0">
+                <a:solidFill>
+                  <a:schemeClr val="tx1"/>
+                </a:solidFill>
+                <a:effectLst/>
+                <a:latin typeface="Times New Roman" panose="02020603050405020304" pitchFamily="18" charset="0"/>
+                <a:ea typeface="Calibri" panose="020F0502020204030204" pitchFamily="34" charset="0"/>
+                <a:cs typeface="Times New Roman" panose="02020603050405020304" pitchFamily="18" charset="0"/>
+              </a:rPr>
+              <a:t>Environment control                                                                      </a:t>
+            </a:r>
+          </a:p>
+          <a:p>
+            <a:pPr marL="151200" marR="0" indent="0" algn="just">
+              <a:lnSpc>
+                <a:spcPct val="107000"/>
+              </a:lnSpc>
+              <a:spcBef>
+                <a:spcPts val="0"/>
+              </a:spcBef>
+              <a:spcAft>
+                <a:spcPts val="0"/>
+              </a:spcAft>
+              <a:buNone/>
+            </a:pPr>
+            <a:r>
+              <a:rPr lang="en-US" sz="2000" b="1" dirty="0">
+                <a:solidFill>
+                  <a:schemeClr val="tx1"/>
+                </a:solidFill>
+                <a:effectLst/>
+                <a:latin typeface="Times New Roman" panose="02020603050405020304" pitchFamily="18" charset="0"/>
+                <a:ea typeface="Calibri" panose="020F0502020204030204" pitchFamily="34" charset="0"/>
+                <a:cs typeface="Times New Roman" panose="02020603050405020304" pitchFamily="18" charset="0"/>
+              </a:rPr>
+              <a:t> </a:t>
+            </a:r>
+          </a:p>
+          <a:p>
+            <a:pPr marL="685800" marR="0" algn="just">
+              <a:lnSpc>
+                <a:spcPct val="107000"/>
+              </a:lnSpc>
+              <a:spcBef>
+                <a:spcPts val="0"/>
+              </a:spcBef>
+              <a:spcAft>
+                <a:spcPts val="0"/>
+              </a:spcAft>
+            </a:pPr>
+            <a:r>
+              <a:rPr lang="en-US" sz="2000" b="1" dirty="0">
+                <a:solidFill>
+                  <a:schemeClr val="tx1"/>
+                </a:solidFill>
+                <a:effectLst/>
+                <a:latin typeface="Times New Roman" panose="02020603050405020304" pitchFamily="18" charset="0"/>
+                <a:ea typeface="Calibri" panose="020F0502020204030204" pitchFamily="34" charset="0"/>
+                <a:cs typeface="Times New Roman" panose="02020603050405020304" pitchFamily="18" charset="0"/>
+              </a:rPr>
+              <a:t>Smart thermostat (e.g., Nest)</a:t>
+            </a:r>
+          </a:p>
+          <a:p>
+            <a:pPr marL="685800" marR="0" algn="just">
+              <a:lnSpc>
+                <a:spcPct val="107000"/>
+              </a:lnSpc>
+              <a:spcBef>
+                <a:spcPts val="0"/>
+              </a:spcBef>
+              <a:spcAft>
+                <a:spcPts val="0"/>
+              </a:spcAft>
+            </a:pPr>
+            <a:r>
+              <a:rPr lang="en-US" sz="2000" b="1" dirty="0">
+                <a:solidFill>
+                  <a:schemeClr val="tx1"/>
+                </a:solidFill>
+                <a:effectLst/>
+                <a:latin typeface="Times New Roman" panose="02020603050405020304" pitchFamily="18" charset="0"/>
+                <a:ea typeface="Calibri" panose="020F0502020204030204" pitchFamily="34" charset="0"/>
+                <a:cs typeface="Times New Roman" panose="02020603050405020304" pitchFamily="18" charset="0"/>
+              </a:rPr>
+              <a:t>Air moisture</a:t>
+            </a:r>
+          </a:p>
+          <a:p>
+            <a:pPr marL="685800" marR="0" algn="just">
+              <a:lnSpc>
+                <a:spcPct val="107000"/>
+              </a:lnSpc>
+              <a:spcBef>
+                <a:spcPts val="0"/>
+              </a:spcBef>
+              <a:spcAft>
+                <a:spcPts val="0"/>
+              </a:spcAft>
+            </a:pPr>
+            <a:r>
+              <a:rPr lang="en-US" sz="2000" b="1" dirty="0">
+                <a:solidFill>
+                  <a:schemeClr val="tx1"/>
+                </a:solidFill>
+                <a:effectLst/>
+                <a:latin typeface="Times New Roman" panose="02020603050405020304" pitchFamily="18" charset="0"/>
+                <a:ea typeface="Calibri" panose="020F0502020204030204" pitchFamily="34" charset="0"/>
+                <a:cs typeface="Times New Roman" panose="02020603050405020304" pitchFamily="18" charset="0"/>
+              </a:rPr>
+              <a:t>Smoke alarm</a:t>
+            </a:r>
+          </a:p>
+          <a:p>
+            <a:pPr marL="685800" marR="0" algn="just">
+              <a:lnSpc>
+                <a:spcPct val="107000"/>
+              </a:lnSpc>
+              <a:spcBef>
+                <a:spcPts val="0"/>
+              </a:spcBef>
+              <a:spcAft>
+                <a:spcPts val="0"/>
+              </a:spcAft>
+            </a:pPr>
+            <a:r>
+              <a:rPr lang="en-US" sz="2000" b="1" dirty="0">
+                <a:solidFill>
+                  <a:schemeClr val="tx1"/>
+                </a:solidFill>
+                <a:effectLst/>
+                <a:latin typeface="Times New Roman" panose="02020603050405020304" pitchFamily="18" charset="0"/>
+                <a:ea typeface="Calibri" panose="020F0502020204030204" pitchFamily="34" charset="0"/>
+                <a:cs typeface="Times New Roman" panose="02020603050405020304" pitchFamily="18" charset="0"/>
+              </a:rPr>
+              <a:t>Flood detector</a:t>
+            </a:r>
+          </a:p>
+          <a:p>
+            <a:pPr marL="685800" marR="0" algn="just">
+              <a:lnSpc>
+                <a:spcPct val="107000"/>
+              </a:lnSpc>
+              <a:spcBef>
+                <a:spcPts val="0"/>
+              </a:spcBef>
+              <a:spcAft>
+                <a:spcPts val="0"/>
+              </a:spcAft>
+            </a:pPr>
+            <a:r>
+              <a:rPr lang="en-US" sz="2000" b="1" dirty="0">
+                <a:solidFill>
+                  <a:schemeClr val="tx1"/>
+                </a:solidFill>
+                <a:effectLst/>
+                <a:latin typeface="Times New Roman" panose="02020603050405020304" pitchFamily="18" charset="0"/>
+                <a:ea typeface="Calibri" panose="020F0502020204030204" pitchFamily="34" charset="0"/>
+                <a:cs typeface="Times New Roman" panose="02020603050405020304" pitchFamily="18" charset="0"/>
+              </a:rPr>
+              <a:t>Lighting system</a:t>
+            </a:r>
+          </a:p>
+          <a:p>
+            <a:pPr marL="685800" marR="0" algn="just">
+              <a:lnSpc>
+                <a:spcPct val="107000"/>
+              </a:lnSpc>
+              <a:spcBef>
+                <a:spcPts val="0"/>
+              </a:spcBef>
+              <a:spcAft>
+                <a:spcPts val="800"/>
+              </a:spcAft>
+            </a:pPr>
+            <a:r>
+              <a:rPr lang="en-US" sz="2000" b="1" dirty="0">
+                <a:solidFill>
+                  <a:schemeClr val="tx1"/>
+                </a:solidFill>
+                <a:effectLst/>
+                <a:latin typeface="Times New Roman" panose="02020603050405020304" pitchFamily="18" charset="0"/>
+                <a:ea typeface="Calibri" panose="020F0502020204030204" pitchFamily="34" charset="0"/>
+                <a:cs typeface="Times New Roman" panose="02020603050405020304" pitchFamily="18" charset="0"/>
+              </a:rPr>
+              <a:t>Drapes Sprinkler systems (outdoor)</a:t>
+            </a:r>
+          </a:p>
+          <a:p>
+            <a:pPr marL="379800" marR="0" indent="0" algn="just">
+              <a:lnSpc>
+                <a:spcPct val="107000"/>
+              </a:lnSpc>
+              <a:spcBef>
+                <a:spcPts val="0"/>
+              </a:spcBef>
+              <a:spcAft>
+                <a:spcPts val="800"/>
+              </a:spcAft>
+              <a:buNone/>
+            </a:pPr>
+            <a:endParaRPr lang="en-US" sz="1800" dirty="0">
+              <a:effectLst/>
+              <a:latin typeface="Calibri" panose="020F0502020204030204" pitchFamily="34" charset="0"/>
+              <a:ea typeface="Calibri" panose="020F0502020204030204" pitchFamily="34" charset="0"/>
+              <a:cs typeface="Times New Roman" panose="02020603050405020304" pitchFamily="18" charset="0"/>
+            </a:endParaRPr>
+          </a:p>
+          <a:p>
+            <a:endParaRPr lang="en-US" dirty="0"/>
+          </a:p>
+        </p:txBody>
+      </p:sp>
+      <p:sp>
+        <p:nvSpPr>
+          <p:cNvPr id="6" name="Content Placeholder 5">
             <a:extLst>
               <a:ext uri="{FF2B5EF4-FFF2-40B4-BE49-F238E27FC236}">
-                <a16:creationId xmlns:a16="http://schemas.microsoft.com/office/drawing/2014/main" id="{BF4DC15D-E95C-82B1-7DE2-0EA5F073E42B}"/>
+                <a16:creationId xmlns:a16="http://schemas.microsoft.com/office/drawing/2014/main" id="{B364CF40-FC5F-F689-E1F7-E836C6C52E74}"/>
               </a:ext>
             </a:extLst>
           </p:cNvPr>
@@ -5593,50 +5803,158 @@
             <a:spLocks noGrp="1"/>
           </p:cNvSpPr>
           <p:nvPr>
-            <p:ph sz="half" idx="2"/>
-          </p:nvPr>
-        </p:nvSpPr>
-        <p:spPr>
-          <a:xfrm>
-            <a:off x="6188419" y="2495295"/>
-            <a:ext cx="5422392" cy="3633047"/>
-          </a:xfrm>
-        </p:spPr>
-        <p:txBody>
-          <a:bodyPr anchor="ctr">
-            <a:normAutofit/>
-          </a:bodyPr>
+            <p:ph sz="quarter" idx="4"/>
+          </p:nvPr>
+        </p:nvSpPr>
+        <p:spPr>
+          <a:xfrm>
+            <a:off x="6217709" y="2739439"/>
+            <a:ext cx="5393100" cy="2934999"/>
+          </a:xfrm>
+        </p:spPr>
+        <p:txBody>
+          <a:bodyPr/>
           <a:lstStyle/>
           <a:p>
+            <a:pPr marL="342900" marR="0" lvl="0" indent="-342900" algn="just">
+              <a:lnSpc>
+                <a:spcPct val="107000"/>
+              </a:lnSpc>
+              <a:spcBef>
+                <a:spcPts val="0"/>
+              </a:spcBef>
+              <a:spcAft>
+                <a:spcPts val="0"/>
+              </a:spcAft>
+              <a:buFont typeface="Symbol" panose="05050102010706020507" pitchFamily="18" charset="2"/>
+              <a:buChar char=""/>
+            </a:pPr>
             <a:r>
               <a:rPr lang="en-US" sz="2000" b="1" dirty="0">
+                <a:solidFill>
+                  <a:schemeClr val="tx1"/>
+                </a:solidFill>
                 <a:effectLst/>
+                <a:latin typeface="Times New Roman" panose="02020603050405020304" pitchFamily="18" charset="0"/>
+                <a:ea typeface="Calibri" panose="020F0502020204030204" pitchFamily="34" charset="0"/>
+                <a:cs typeface="Times New Roman" panose="02020603050405020304" pitchFamily="18" charset="0"/>
               </a:rPr>
-              <a:t>The drone may pick up the required item, fly there using G.P.S., descend, alert the customer before delivering it to their front door, and then return to the base .</a:t>
-            </a:r>
-          </a:p>
-          <a:p>
-            <a:r>
-              <a:rPr lang="en-US" sz="2000" b="1" i="0" dirty="0">
+              <a:t>Smart Energy HVAC</a:t>
+            </a:r>
+          </a:p>
+          <a:p>
+            <a:pPr marL="0" marR="0" lvl="0" indent="0" algn="just">
+              <a:lnSpc>
+                <a:spcPct val="107000"/>
+              </a:lnSpc>
+              <a:spcBef>
+                <a:spcPts val="0"/>
+              </a:spcBef>
+              <a:spcAft>
+                <a:spcPts val="0"/>
+              </a:spcAft>
+              <a:buNone/>
+            </a:pPr>
+            <a:r>
+              <a:rPr lang="en-US" sz="2000" b="1" dirty="0">
+                <a:solidFill>
+                  <a:schemeClr val="tx1"/>
+                </a:solidFill>
                 <a:effectLst/>
+                <a:latin typeface="Times New Roman" panose="02020603050405020304" pitchFamily="18" charset="0"/>
+                <a:ea typeface="Calibri" panose="020F0502020204030204" pitchFamily="34" charset="0"/>
+                <a:cs typeface="Times New Roman" panose="02020603050405020304" pitchFamily="18" charset="0"/>
               </a:rPr>
-              <a:t>Drone delivery can carry that weight easily, and organizations with multiple drone centers can significantly reduce the time and energy it takes to deliver a package</a:t>
-            </a:r>
-          </a:p>
-          <a:p>
-            <a:endParaRPr lang="en-US" b="1" i="0" dirty="0">
-              <a:effectLst/>
-            </a:endParaRPr>
-          </a:p>
-          <a:p>
-            <a:endParaRPr lang="en-US" b="1" dirty="0"/>
+              <a:t> </a:t>
+            </a:r>
+          </a:p>
+          <a:p>
+            <a:pPr marL="685800" marR="0" algn="just">
+              <a:lnSpc>
+                <a:spcPct val="107000"/>
+              </a:lnSpc>
+              <a:spcBef>
+                <a:spcPts val="0"/>
+              </a:spcBef>
+              <a:spcAft>
+                <a:spcPts val="0"/>
+              </a:spcAft>
+            </a:pPr>
+            <a:r>
+              <a:rPr lang="en-US" sz="2000" b="1" dirty="0">
+                <a:solidFill>
+                  <a:schemeClr val="tx1"/>
+                </a:solidFill>
+                <a:effectLst/>
+                <a:latin typeface="Times New Roman" panose="02020603050405020304" pitchFamily="18" charset="0"/>
+                <a:ea typeface="Calibri" panose="020F0502020204030204" pitchFamily="34" charset="0"/>
+                <a:cs typeface="Times New Roman" panose="02020603050405020304" pitchFamily="18" charset="0"/>
+              </a:rPr>
+              <a:t>Gas meter</a:t>
+            </a:r>
+          </a:p>
+          <a:p>
+            <a:pPr marL="685800" marR="0" algn="just">
+              <a:lnSpc>
+                <a:spcPct val="107000"/>
+              </a:lnSpc>
+              <a:spcBef>
+                <a:spcPts val="0"/>
+              </a:spcBef>
+              <a:spcAft>
+                <a:spcPts val="0"/>
+              </a:spcAft>
+            </a:pPr>
+            <a:r>
+              <a:rPr lang="en-US" sz="2000" b="1" dirty="0">
+                <a:solidFill>
+                  <a:schemeClr val="tx1"/>
+                </a:solidFill>
+                <a:effectLst/>
+                <a:latin typeface="Times New Roman" panose="02020603050405020304" pitchFamily="18" charset="0"/>
+                <a:ea typeface="Calibri" panose="020F0502020204030204" pitchFamily="34" charset="0"/>
+                <a:cs typeface="Times New Roman" panose="02020603050405020304" pitchFamily="18" charset="0"/>
+              </a:rPr>
+              <a:t>Electricity meter</a:t>
+            </a:r>
+          </a:p>
+          <a:p>
+            <a:pPr marL="685800" marR="0" algn="just">
+              <a:lnSpc>
+                <a:spcPct val="107000"/>
+              </a:lnSpc>
+              <a:spcBef>
+                <a:spcPts val="0"/>
+              </a:spcBef>
+              <a:spcAft>
+                <a:spcPts val="800"/>
+              </a:spcAft>
+            </a:pPr>
+            <a:r>
+              <a:rPr lang="en-US" sz="2000" b="1" dirty="0">
+                <a:solidFill>
+                  <a:schemeClr val="tx1"/>
+                </a:solidFill>
+                <a:effectLst/>
+                <a:latin typeface="Times New Roman" panose="02020603050405020304" pitchFamily="18" charset="0"/>
+                <a:ea typeface="Calibri" panose="020F0502020204030204" pitchFamily="34" charset="0"/>
+                <a:cs typeface="Times New Roman" panose="02020603050405020304" pitchFamily="18" charset="0"/>
+              </a:rPr>
+              <a:t>Water meter</a:t>
+            </a:r>
+          </a:p>
+          <a:p>
+            <a:pPr marL="0" indent="0">
+              <a:buNone/>
+            </a:pPr>
+            <a:endParaRPr lang="en-US" dirty="0"/>
           </a:p>
         </p:txBody>
       </p:sp>
     </p:spTree>
     <p:extLst>
       <p:ext uri="{BB962C8B-B14F-4D97-AF65-F5344CB8AC3E}">
-        <p14:creationId xmlns:p14="http://schemas.microsoft.com/office/powerpoint/2010/main" val="4228973709"/>
+        <p14:creationId xmlns:p14="http://schemas.microsoft.com/office/powerpoint/2010/main" val="1525075817"/>
       </p:ext>
     </p:extLst>
   </p:cSld>
@@ -5668,7 +5986,7 @@
           <p:cNvPr id="2" name="Title 1">
             <a:extLst>
               <a:ext uri="{FF2B5EF4-FFF2-40B4-BE49-F238E27FC236}">
-                <a16:creationId xmlns:a16="http://schemas.microsoft.com/office/drawing/2014/main" id="{DC3AA3C9-2FEB-5DEC-FB6C-773B499592C0}"/>
+                <a16:creationId xmlns:a16="http://schemas.microsoft.com/office/drawing/2014/main" id="{59189CEE-BE62-CC58-36E6-63D304AA4B28}"/>
               </a:ext>
             </a:extLst>
           </p:cNvPr>
@@ -5687,38 +6005,26 @@
         </p:spPr>
         <p:txBody>
           <a:bodyPr anchor="b">
-            <a:normAutofit fontScale="90000"/>
+            <a:normAutofit/>
           </a:bodyPr>
           <a:lstStyle/>
           <a:p>
-            <a:pPr>
-              <a:lnSpc>
-                <a:spcPct val="90000"/>
-              </a:lnSpc>
-            </a:pPr>
-            <a:r>
-              <a:rPr lang="en-US" sz="2700" b="1" i="1" dirty="0">
-                <a:effectLst/>
+            <a:r>
+              <a:rPr lang="en-US" b="1" i="1" dirty="0">
                 <a:latin typeface="Times New Roman" panose="02020603050405020304" pitchFamily="18" charset="0"/>
                 <a:cs typeface="Times New Roman" panose="02020603050405020304" pitchFamily="18" charset="0"/>
               </a:rPr>
-              <a:t>Smart Security</a:t>
-            </a:r>
-            <a:br>
-              <a:rPr lang="en-US" sz="1700" dirty="0">
-                <a:effectLst/>
-              </a:rPr>
-            </a:br>
-            <a:endParaRPr lang="en-US" sz="1700" dirty="0"/>
+              <a:t>Design smart cities </a:t>
+            </a:r>
           </a:p>
         </p:txBody>
       </p:sp>
       <p:pic>
         <p:nvPicPr>
-          <p:cNvPr id="5" name="Picture 4" descr="Graphical user interface&#10;&#10;Description automatically generated">
+          <p:cNvPr id="5" name="Picture 4" descr="A picture containing scene, harbor&#10;&#10;Description automatically generated">
             <a:extLst>
               <a:ext uri="{FF2B5EF4-FFF2-40B4-BE49-F238E27FC236}">
-                <a16:creationId xmlns:a16="http://schemas.microsoft.com/office/drawing/2014/main" id="{C96B9F28-F1C2-A5E7-98A4-391A8936E493}"/>
+                <a16:creationId xmlns:a16="http://schemas.microsoft.com/office/drawing/2014/main" id="{D431B7B7-528D-A0A7-15D1-C882300F82AB}"/>
               </a:ext>
             </a:extLst>
           </p:cNvPr>
@@ -5729,13 +6035,13 @@
         </p:nvPicPr>
         <p:blipFill rotWithShape="1">
           <a:blip r:embed="rId2"/>
-          <a:srcRect t="966" r="-1" b="8370"/>
+          <a:srcRect t="43238" r="-1" b="9562"/>
           <a:stretch/>
         </p:blipFill>
         <p:spPr>
           <a:xfrm>
             <a:off x="447817" y="599725"/>
-            <a:ext cx="11290859" cy="3557252"/>
+            <a:ext cx="11290859" cy="4093664"/>
           </a:xfrm>
           <a:prstGeom prst="rect">
             <a:avLst/>
@@ -5748,7 +6054,7 @@
           <p:cNvPr id="3" name="Content Placeholder 2">
             <a:extLst>
               <a:ext uri="{FF2B5EF4-FFF2-40B4-BE49-F238E27FC236}">
-                <a16:creationId xmlns:a16="http://schemas.microsoft.com/office/drawing/2014/main" id="{1159C45E-9B89-E802-F8E3-2A4F3BA0A62A}"/>
+                <a16:creationId xmlns:a16="http://schemas.microsoft.com/office/drawing/2014/main" id="{AA97EECC-93F9-AA2B-03B1-4FA9FBCB911D}"/>
               </a:ext>
             </a:extLst>
           </p:cNvPr>
@@ -5761,8 +6067,8 @@
         </p:nvSpPr>
         <p:spPr>
           <a:xfrm>
-            <a:off x="581192" y="5057775"/>
-            <a:ext cx="11029617" cy="1600200"/>
+            <a:off x="581190" y="5410200"/>
+            <a:ext cx="11029617" cy="1190625"/>
           </a:xfrm>
         </p:spPr>
         <p:txBody>
@@ -5777,10 +6083,26 @@
                 <a:latin typeface="Times New Roman" panose="02020603050405020304" pitchFamily="18" charset="0"/>
                 <a:cs typeface="Times New Roman" panose="02020603050405020304" pitchFamily="18" charset="0"/>
               </a:rPr>
-              <a:t>The IoT has several uses in the security and surveillance industry, including monitoring places, asset and human tracking, infrastructure and equipment maintenance, alarms, etc.</a:t>
-            </a:r>
-          </a:p>
-          <a:p>
+              <a:t>The Internet of Things (IoT) can aid in the design of smart cities by monitoring air quality, recognizing emergency routes, illuminating the city efficiently, watering gardens, and other </a:t>
+            </a:r>
+            <a:r>
+              <a:rPr lang="en-US" sz="2000" b="1" i="1" dirty="0">
+                <a:effectLst/>
+                <a:latin typeface="Times New Roman" panose="02020603050405020304" pitchFamily="18" charset="0"/>
+                <a:cs typeface="Times New Roman" panose="02020603050405020304" pitchFamily="18" charset="0"/>
+              </a:rPr>
+              <a:t>functions.</a:t>
+            </a:r>
+            <a:endParaRPr lang="en-US" sz="2000" b="1" dirty="0">
+              <a:effectLst/>
+              <a:latin typeface="Times New Roman" panose="02020603050405020304" pitchFamily="18" charset="0"/>
+              <a:cs typeface="Times New Roman" panose="02020603050405020304" pitchFamily="18" charset="0"/>
+            </a:endParaRPr>
+          </a:p>
+          <a:p>
+            <a:pPr marL="0" indent="0">
+              <a:buNone/>
+            </a:pPr>
             <a:endParaRPr lang="en-US" dirty="0"/>
           </a:p>
         </p:txBody>
@@ -5788,7 +6110,7 @@
     </p:spTree>
     <p:extLst>
       <p:ext uri="{BB962C8B-B14F-4D97-AF65-F5344CB8AC3E}">
-        <p14:creationId xmlns:p14="http://schemas.microsoft.com/office/powerpoint/2010/main" val="1795742935"/>
+        <p14:creationId xmlns:p14="http://schemas.microsoft.com/office/powerpoint/2010/main" val="1393581039"/>
       </p:ext>
     </p:extLst>
   </p:cSld>
@@ -5820,7 +6142,7 @@
           <p:cNvPr id="2" name="Title 1">
             <a:extLst>
               <a:ext uri="{FF2B5EF4-FFF2-40B4-BE49-F238E27FC236}">
-                <a16:creationId xmlns:a16="http://schemas.microsoft.com/office/drawing/2014/main" id="{489CA294-53AB-4888-EAFC-1AC09EA47B8C}"/>
+                <a16:creationId xmlns:a16="http://schemas.microsoft.com/office/drawing/2014/main" id="{DA7E1613-E5C1-B6AD-B3BA-8B5D39BA0562}"/>
               </a:ext>
             </a:extLst>
           </p:cNvPr>
@@ -5833,44 +6155,37 @@
         </p:nvSpPr>
         <p:spPr>
           <a:xfrm>
-            <a:off x="581193" y="4693389"/>
-            <a:ext cx="11029616" cy="566738"/>
+            <a:off x="581193" y="729658"/>
+            <a:ext cx="11029616" cy="988332"/>
           </a:xfrm>
         </p:spPr>
         <p:txBody>
           <a:bodyPr anchor="b">
-            <a:normAutofit fontScale="90000"/>
+            <a:normAutofit/>
           </a:bodyPr>
           <a:lstStyle/>
           <a:p>
-            <a:pPr>
-              <a:lnSpc>
-                <a:spcPct val="90000"/>
-              </a:lnSpc>
-            </a:pPr>
-            <a:r>
-              <a:rPr lang="en-US" sz="2000" b="1" i="1" dirty="0">
+            <a:r>
+              <a:rPr lang="en-US" b="1">
                 <a:effectLst/>
-                <a:latin typeface="Times New Roman" panose="02020603050405020304" pitchFamily="18" charset="0"/>
-                <a:cs typeface="Times New Roman" panose="02020603050405020304" pitchFamily="18" charset="0"/>
               </a:rPr>
-              <a:t>Smart metering and monitoring</a:t>
+              <a:t>Intelligent delivery system (drone)</a:t>
             </a:r>
             <a:br>
-              <a:rPr lang="en-US" sz="1700" dirty="0">
+              <a:rPr lang="en-US">
                 <a:effectLst/>
               </a:rPr>
             </a:br>
-            <a:endParaRPr lang="en-US" sz="1700" dirty="0"/>
+            <a:endParaRPr lang="en-US" dirty="0"/>
           </a:p>
         </p:txBody>
       </p:sp>
       <p:pic>
         <p:nvPicPr>
-          <p:cNvPr id="5" name="Picture 4" descr="A picture containing text, electronics, cellphone&#10;&#10;Description automatically generated">
+          <p:cNvPr id="7" name="Picture 6" descr="A picture containing text, sky, nature&#10;&#10;Description automatically generated">
             <a:extLst>
               <a:ext uri="{FF2B5EF4-FFF2-40B4-BE49-F238E27FC236}">
-                <a16:creationId xmlns:a16="http://schemas.microsoft.com/office/drawing/2014/main" id="{4F956264-8C0B-67D2-B10B-D3A723B04D46}"/>
+                <a16:creationId xmlns:a16="http://schemas.microsoft.com/office/drawing/2014/main" id="{EC0EBA2E-5158-1813-C100-2675F0BD7C4D}"/>
               </a:ext>
             </a:extLst>
           </p:cNvPr>
@@ -5881,13 +6196,13 @@
         </p:nvPicPr>
         <p:blipFill rotWithShape="1">
           <a:blip r:embed="rId2"/>
-          <a:srcRect t="21945" r="-1" b="18044"/>
+          <a:srcRect l="7732" r="9433"/>
           <a:stretch/>
         </p:blipFill>
         <p:spPr>
           <a:xfrm>
-            <a:off x="447817" y="599725"/>
-            <a:ext cx="11290859" cy="3867500"/>
+            <a:off x="581193" y="2228003"/>
+            <a:ext cx="5422390" cy="3633047"/>
           </a:xfrm>
           <a:prstGeom prst="rect">
             <a:avLst/>
@@ -5900,7 +6215,7 @@
           <p:cNvPr id="3" name="Content Placeholder 2">
             <a:extLst>
               <a:ext uri="{FF2B5EF4-FFF2-40B4-BE49-F238E27FC236}">
-                <a16:creationId xmlns:a16="http://schemas.microsoft.com/office/drawing/2014/main" id="{E2B57402-92D7-19E2-B9AE-AD3D77856BB7}"/>
+                <a16:creationId xmlns:a16="http://schemas.microsoft.com/office/drawing/2014/main" id="{BF4DC15D-E95C-82B1-7DE2-0EA5F073E42B}"/>
               </a:ext>
             </a:extLst>
           </p:cNvPr>
@@ -5908,40 +6223,50 @@
             <a:spLocks noGrp="1"/>
           </p:cNvSpPr>
           <p:nvPr>
-            <p:ph type="body" sz="half" idx="2"/>
-          </p:nvPr>
-        </p:nvSpPr>
-        <p:spPr>
-          <a:xfrm>
-            <a:off x="581192" y="5260127"/>
-            <a:ext cx="11029617" cy="998148"/>
+            <p:ph sz="half" idx="2"/>
+          </p:nvPr>
+        </p:nvSpPr>
+        <p:spPr>
+          <a:xfrm>
+            <a:off x="6188419" y="2495295"/>
+            <a:ext cx="5422392" cy="3633047"/>
           </a:xfrm>
         </p:spPr>
         <p:txBody>
           <a:bodyPr anchor="ctr">
-            <a:noAutofit/>
+            <a:normAutofit/>
           </a:bodyPr>
           <a:lstStyle/>
           <a:p>
             <a:r>
-              <a:rPr lang="en-US" sz="1800" b="1" i="0" dirty="0">
+              <a:rPr lang="en-US" sz="2000" b="1" dirty="0">
                 <a:effectLst/>
-                <a:latin typeface="Times New Roman" panose="02020603050405020304" pitchFamily="18" charset="0"/>
-                <a:cs typeface="Times New Roman" panose="02020603050405020304" pitchFamily="18" charset="0"/>
               </a:rPr>
-              <a:t>A smart meter provides detailed information on consumption in order to reduce electricity bills and also increase knowledge about the status of the electricity grid, which improves its performance and the quality of service for customers.</a:t>
-            </a:r>
-            <a:endParaRPr lang="en-US" sz="1800" b="1" dirty="0">
-              <a:latin typeface="Times New Roman" panose="02020603050405020304" pitchFamily="18" charset="0"/>
-              <a:cs typeface="Times New Roman" panose="02020603050405020304" pitchFamily="18" charset="0"/>
+              <a:t>The drone may pick up the required item, fly there using G.P.S., descend, alert the customer before delivering it to their front door, and then return to the base .</a:t>
+            </a:r>
+          </a:p>
+          <a:p>
+            <a:r>
+              <a:rPr lang="en-US" sz="2000" b="1" i="0" dirty="0">
+                <a:effectLst/>
+              </a:rPr>
+              <a:t>Drone delivery can carry that weight easily, and organizations with multiple drone centers can significantly reduce the time and energy it takes to deliver a package</a:t>
+            </a:r>
+          </a:p>
+          <a:p>
+            <a:endParaRPr lang="en-US" b="1" i="0" dirty="0">
+              <a:effectLst/>
             </a:endParaRPr>
+          </a:p>
+          <a:p>
+            <a:endParaRPr lang="en-US" b="1" dirty="0"/>
           </a:p>
         </p:txBody>
       </p:sp>
     </p:spTree>
     <p:extLst>
       <p:ext uri="{BB962C8B-B14F-4D97-AF65-F5344CB8AC3E}">
-        <p14:creationId xmlns:p14="http://schemas.microsoft.com/office/powerpoint/2010/main" val="4240777047"/>
+        <p14:creationId xmlns:p14="http://schemas.microsoft.com/office/powerpoint/2010/main" val="4228973709"/>
       </p:ext>
     </p:extLst>
   </p:cSld>
@@ -5973,7 +6298,7 @@
           <p:cNvPr id="2" name="Title 1">
             <a:extLst>
               <a:ext uri="{FF2B5EF4-FFF2-40B4-BE49-F238E27FC236}">
-                <a16:creationId xmlns:a16="http://schemas.microsoft.com/office/drawing/2014/main" id="{DC9FA7D0-54B7-B7BA-4B9C-85AA17AF63AA}"/>
+                <a16:creationId xmlns:a16="http://schemas.microsoft.com/office/drawing/2014/main" id="{DC3AA3C9-2FEB-5DEC-FB6C-773B499592C0}"/>
               </a:ext>
             </a:extLst>
           </p:cNvPr>
@@ -5992,26 +6317,38 @@
         </p:spPr>
         <p:txBody>
           <a:bodyPr anchor="b">
-            <a:normAutofit/>
+            <a:normAutofit fontScale="90000"/>
           </a:bodyPr>
           <a:lstStyle/>
           <a:p>
-            <a:r>
-              <a:rPr lang="en-US" b="1" i="1" dirty="0">
+            <a:pPr>
+              <a:lnSpc>
+                <a:spcPct val="90000"/>
+              </a:lnSpc>
+            </a:pPr>
+            <a:r>
+              <a:rPr lang="en-US" sz="2700" b="1" i="1" dirty="0">
+                <a:effectLst/>
+                <a:latin typeface="Times New Roman" panose="02020603050405020304" pitchFamily="18" charset="0"/>
+                <a:cs typeface="Times New Roman" panose="02020603050405020304" pitchFamily="18" charset="0"/>
+              </a:rPr>
+              <a:t>Smart Security</a:t>
+            </a:r>
+            <a:br>
+              <a:rPr lang="en-US" sz="1700" dirty="0">
                 <a:effectLst/>
               </a:rPr>
-              <a:t>Smart Traffic Management System</a:t>
-            </a:r>
-            <a:endParaRPr lang="en-US" b="1" i="1" dirty="0"/>
+            </a:br>
+            <a:endParaRPr lang="en-US" sz="1700" dirty="0"/>
           </a:p>
         </p:txBody>
       </p:sp>
       <p:pic>
         <p:nvPicPr>
-          <p:cNvPr id="5" name="Picture 4" descr="Diagram&#10;&#10;Description automatically generated">
+          <p:cNvPr id="5" name="Picture 4" descr="Graphical user interface&#10;&#10;Description automatically generated">
             <a:extLst>
               <a:ext uri="{FF2B5EF4-FFF2-40B4-BE49-F238E27FC236}">
-                <a16:creationId xmlns:a16="http://schemas.microsoft.com/office/drawing/2014/main" id="{3C393BF3-7231-C7E8-D754-58029B555141}"/>
+                <a16:creationId xmlns:a16="http://schemas.microsoft.com/office/drawing/2014/main" id="{C96B9F28-F1C2-A5E7-98A4-391A8936E493}"/>
               </a:ext>
             </a:extLst>
           </p:cNvPr>
@@ -6022,13 +6359,13 @@
         </p:nvPicPr>
         <p:blipFill rotWithShape="1">
           <a:blip r:embed="rId2"/>
-          <a:srcRect t="27157" r="-1" b="27835"/>
+          <a:srcRect t="966" r="-1" b="8370"/>
           <a:stretch/>
         </p:blipFill>
         <p:spPr>
           <a:xfrm>
-            <a:off x="447817" y="599724"/>
-            <a:ext cx="11290859" cy="3896075"/>
+            <a:off x="447817" y="599725"/>
+            <a:ext cx="11290859" cy="3557252"/>
           </a:xfrm>
           <a:prstGeom prst="rect">
             <a:avLst/>
@@ -6041,7 +6378,7 @@
           <p:cNvPr id="3" name="Content Placeholder 2">
             <a:extLst>
               <a:ext uri="{FF2B5EF4-FFF2-40B4-BE49-F238E27FC236}">
-                <a16:creationId xmlns:a16="http://schemas.microsoft.com/office/drawing/2014/main" id="{F631D6F7-0BBB-8E29-8A5B-1B112D503134}"/>
+                <a16:creationId xmlns:a16="http://schemas.microsoft.com/office/drawing/2014/main" id="{1159C45E-9B89-E802-F8E3-2A4F3BA0A62A}"/>
               </a:ext>
             </a:extLst>
           </p:cNvPr>
@@ -6054,35 +6391,34 @@
         </p:nvSpPr>
         <p:spPr>
           <a:xfrm>
-            <a:off x="581192" y="5260127"/>
-            <a:ext cx="11029617" cy="902548"/>
+            <a:off x="581192" y="5057775"/>
+            <a:ext cx="11029617" cy="1600200"/>
           </a:xfrm>
         </p:spPr>
         <p:txBody>
           <a:bodyPr anchor="ctr">
-            <a:noAutofit/>
+            <a:normAutofit/>
           </a:bodyPr>
           <a:lstStyle/>
           <a:p>
             <a:r>
-              <a:rPr lang="en-US" sz="1800" b="1" i="0" dirty="0">
+              <a:rPr lang="en-US" sz="2000" b="1" dirty="0">
                 <a:effectLst/>
                 <a:latin typeface="Times New Roman" panose="02020603050405020304" pitchFamily="18" charset="0"/>
                 <a:cs typeface="Times New Roman" panose="02020603050405020304" pitchFamily="18" charset="0"/>
               </a:rPr>
-              <a:t>A critical application of a smart traffic system using IoT is providing priority access to police, fire, and ambulance services.</a:t>
-            </a:r>
-            <a:endParaRPr lang="en-US" sz="1800" b="1" dirty="0">
-              <a:latin typeface="Times New Roman" panose="02020603050405020304" pitchFamily="18" charset="0"/>
-              <a:cs typeface="Times New Roman" panose="02020603050405020304" pitchFamily="18" charset="0"/>
-            </a:endParaRPr>
+              <a:t>The IoT has several uses in the security and surveillance industry, including monitoring places, asset and human tracking, infrastructure and equipment maintenance, alarms, etc.</a:t>
+            </a:r>
+          </a:p>
+          <a:p>
+            <a:endParaRPr lang="en-US" dirty="0"/>
           </a:p>
         </p:txBody>
       </p:sp>
     </p:spTree>
     <p:extLst>
       <p:ext uri="{BB962C8B-B14F-4D97-AF65-F5344CB8AC3E}">
-        <p14:creationId xmlns:p14="http://schemas.microsoft.com/office/powerpoint/2010/main" val="2713651861"/>
+        <p14:creationId xmlns:p14="http://schemas.microsoft.com/office/powerpoint/2010/main" val="1795742935"/>
       </p:ext>
     </p:extLst>
   </p:cSld>
@@ -6114,7 +6450,7 @@
           <p:cNvPr id="2" name="Title 1">
             <a:extLst>
               <a:ext uri="{FF2B5EF4-FFF2-40B4-BE49-F238E27FC236}">
-                <a16:creationId xmlns:a16="http://schemas.microsoft.com/office/drawing/2014/main" id="{DFFCBEB5-B53B-9350-B14D-3EA79F6F864F}"/>
+                <a16:creationId xmlns:a16="http://schemas.microsoft.com/office/drawing/2014/main" id="{489CA294-53AB-4888-EAFC-1AC09EA47B8C}"/>
               </a:ext>
             </a:extLst>
           </p:cNvPr>
@@ -6133,31 +6469,38 @@
         </p:spPr>
         <p:txBody>
           <a:bodyPr anchor="b">
-            <a:normAutofit/>
+            <a:normAutofit fontScale="90000"/>
           </a:bodyPr>
           <a:lstStyle/>
           <a:p>
-            <a:r>
-              <a:rPr lang="en-US" sz="2800" b="1" i="1" dirty="0">
+            <a:pPr>
+              <a:lnSpc>
+                <a:spcPct val="90000"/>
+              </a:lnSpc>
+            </a:pPr>
+            <a:r>
+              <a:rPr lang="en-US" sz="2000" b="1" i="1" dirty="0">
                 <a:effectLst/>
                 <a:latin typeface="Times New Roman" panose="02020603050405020304" pitchFamily="18" charset="0"/>
                 <a:cs typeface="Times New Roman" panose="02020603050405020304" pitchFamily="18" charset="0"/>
               </a:rPr>
-              <a:t>Face Recognition Bot</a:t>
-            </a:r>
-            <a:endParaRPr lang="en-US" sz="2800" b="1" i="1" dirty="0">
-              <a:latin typeface="Times New Roman" panose="02020603050405020304" pitchFamily="18" charset="0"/>
-              <a:cs typeface="Times New Roman" panose="02020603050405020304" pitchFamily="18" charset="0"/>
-            </a:endParaRPr>
+              <a:t>Smart metering and monitoring</a:t>
+            </a:r>
+            <a:br>
+              <a:rPr lang="en-US" sz="1700" dirty="0">
+                <a:effectLst/>
+              </a:rPr>
+            </a:br>
+            <a:endParaRPr lang="en-US" sz="1700" dirty="0"/>
           </a:p>
         </p:txBody>
       </p:sp>
       <p:pic>
         <p:nvPicPr>
-          <p:cNvPr id="5" name="Picture 4" descr="Graphical user interface&#10;&#10;Description automatically generated">
+          <p:cNvPr id="5" name="Picture 4" descr="A picture containing text, electronics, cellphone&#10;&#10;Description automatically generated">
             <a:extLst>
               <a:ext uri="{FF2B5EF4-FFF2-40B4-BE49-F238E27FC236}">
-                <a16:creationId xmlns:a16="http://schemas.microsoft.com/office/drawing/2014/main" id="{E18977CF-BB13-6314-EC29-3D363FFF2D1A}"/>
+                <a16:creationId xmlns:a16="http://schemas.microsoft.com/office/drawing/2014/main" id="{4F956264-8C0B-67D2-B10B-D3A723B04D46}"/>
               </a:ext>
             </a:extLst>
           </p:cNvPr>
@@ -6168,13 +6511,13 @@
         </p:nvPicPr>
         <p:blipFill rotWithShape="1">
           <a:blip r:embed="rId2"/>
-          <a:srcRect t="21157" r="-1" b="31643"/>
+          <a:srcRect t="21945" r="-1" b="18044"/>
           <a:stretch/>
         </p:blipFill>
         <p:spPr>
           <a:xfrm>
             <a:off x="447817" y="599725"/>
-            <a:ext cx="11290859" cy="3410300"/>
+            <a:ext cx="11290859" cy="3867500"/>
           </a:xfrm>
           <a:prstGeom prst="rect">
             <a:avLst/>
@@ -6187,7 +6530,7 @@
           <p:cNvPr id="3" name="Content Placeholder 2">
             <a:extLst>
               <a:ext uri="{FF2B5EF4-FFF2-40B4-BE49-F238E27FC236}">
-                <a16:creationId xmlns:a16="http://schemas.microsoft.com/office/drawing/2014/main" id="{9634D0EB-846F-1AE0-F074-513BD50D0277}"/>
+                <a16:creationId xmlns:a16="http://schemas.microsoft.com/office/drawing/2014/main" id="{E2B57402-92D7-19E2-B9AE-AD3D77856BB7}"/>
               </a:ext>
             </a:extLst>
           </p:cNvPr>
@@ -6201,7 +6544,7 @@
         <p:spPr>
           <a:xfrm>
             <a:off x="581192" y="5260127"/>
-            <a:ext cx="11029617" cy="1112098"/>
+            <a:ext cx="11029617" cy="998148"/>
           </a:xfrm>
         </p:spPr>
         <p:txBody>
@@ -6211,14 +6554,14 @@
           <a:lstStyle/>
           <a:p>
             <a:r>
-              <a:rPr lang="en-US" sz="2000" b="1" i="0" dirty="0">
+              <a:rPr lang="en-US" sz="1800" b="1" i="0" dirty="0">
                 <a:effectLst/>
                 <a:latin typeface="Times New Roman" panose="02020603050405020304" pitchFamily="18" charset="0"/>
                 <a:cs typeface="Times New Roman" panose="02020603050405020304" pitchFamily="18" charset="0"/>
               </a:rPr>
-              <a:t>recognize that person’s voice and thus receive various commands for welcoming guests or for security purposes.</a:t>
-            </a:r>
-            <a:endParaRPr lang="en-US" sz="2000" b="1" dirty="0">
+              <a:t>A smart meter provides detailed information on consumption in order to reduce electricity bills and also increase knowledge about the status of the electricity grid, which improves its performance and the quality of service for customers.</a:t>
+            </a:r>
+            <a:endParaRPr lang="en-US" sz="1800" b="1" dirty="0">
               <a:latin typeface="Times New Roman" panose="02020603050405020304" pitchFamily="18" charset="0"/>
               <a:cs typeface="Times New Roman" panose="02020603050405020304" pitchFamily="18" charset="0"/>
             </a:endParaRPr>
@@ -6228,7 +6571,7 @@
     </p:spTree>
     <p:extLst>
       <p:ext uri="{BB962C8B-B14F-4D97-AF65-F5344CB8AC3E}">
-        <p14:creationId xmlns:p14="http://schemas.microsoft.com/office/powerpoint/2010/main" val="1883598426"/>
+        <p14:creationId xmlns:p14="http://schemas.microsoft.com/office/powerpoint/2010/main" val="4240777047"/>
       </p:ext>
     </p:extLst>
   </p:cSld>
@@ -6260,6 +6603,293 @@
           <p:cNvPr id="2" name="Title 1">
             <a:extLst>
               <a:ext uri="{FF2B5EF4-FFF2-40B4-BE49-F238E27FC236}">
+                <a16:creationId xmlns:a16="http://schemas.microsoft.com/office/drawing/2014/main" id="{DC9FA7D0-54B7-B7BA-4B9C-85AA17AF63AA}"/>
+              </a:ext>
+            </a:extLst>
+          </p:cNvPr>
+          <p:cNvSpPr>
+            <a:spLocks noGrp="1"/>
+          </p:cNvSpPr>
+          <p:nvPr>
+            <p:ph type="title"/>
+          </p:nvPr>
+        </p:nvSpPr>
+        <p:spPr>
+          <a:xfrm>
+            <a:off x="581193" y="4693389"/>
+            <a:ext cx="11029616" cy="566738"/>
+          </a:xfrm>
+        </p:spPr>
+        <p:txBody>
+          <a:bodyPr anchor="b">
+            <a:normAutofit/>
+          </a:bodyPr>
+          <a:lstStyle/>
+          <a:p>
+            <a:r>
+              <a:rPr lang="en-US" b="1" i="1" dirty="0">
+                <a:effectLst/>
+              </a:rPr>
+              <a:t>Smart Traffic Management System</a:t>
+            </a:r>
+            <a:endParaRPr lang="en-US" b="1" i="1" dirty="0"/>
+          </a:p>
+        </p:txBody>
+      </p:sp>
+      <p:pic>
+        <p:nvPicPr>
+          <p:cNvPr id="5" name="Picture 4" descr="Diagram&#10;&#10;Description automatically generated">
+            <a:extLst>
+              <a:ext uri="{FF2B5EF4-FFF2-40B4-BE49-F238E27FC236}">
+                <a16:creationId xmlns:a16="http://schemas.microsoft.com/office/drawing/2014/main" id="{3C393BF3-7231-C7E8-D754-58029B555141}"/>
+              </a:ext>
+            </a:extLst>
+          </p:cNvPr>
+          <p:cNvPicPr>
+            <a:picLocks noChangeAspect="1"/>
+          </p:cNvPicPr>
+          <p:nvPr/>
+        </p:nvPicPr>
+        <p:blipFill rotWithShape="1">
+          <a:blip r:embed="rId2"/>
+          <a:srcRect t="27157" r="-1" b="27835"/>
+          <a:stretch/>
+        </p:blipFill>
+        <p:spPr>
+          <a:xfrm>
+            <a:off x="447817" y="599724"/>
+            <a:ext cx="11290859" cy="3896075"/>
+          </a:xfrm>
+          <a:prstGeom prst="rect">
+            <a:avLst/>
+          </a:prstGeom>
+          <a:noFill/>
+        </p:spPr>
+      </p:pic>
+      <p:sp>
+        <p:nvSpPr>
+          <p:cNvPr id="3" name="Content Placeholder 2">
+            <a:extLst>
+              <a:ext uri="{FF2B5EF4-FFF2-40B4-BE49-F238E27FC236}">
+                <a16:creationId xmlns:a16="http://schemas.microsoft.com/office/drawing/2014/main" id="{F631D6F7-0BBB-8E29-8A5B-1B112D503134}"/>
+              </a:ext>
+            </a:extLst>
+          </p:cNvPr>
+          <p:cNvSpPr>
+            <a:spLocks noGrp="1"/>
+          </p:cNvSpPr>
+          <p:nvPr>
+            <p:ph type="body" sz="half" idx="2"/>
+          </p:nvPr>
+        </p:nvSpPr>
+        <p:spPr>
+          <a:xfrm>
+            <a:off x="581192" y="5260127"/>
+            <a:ext cx="11029617" cy="902548"/>
+          </a:xfrm>
+        </p:spPr>
+        <p:txBody>
+          <a:bodyPr anchor="ctr">
+            <a:noAutofit/>
+          </a:bodyPr>
+          <a:lstStyle/>
+          <a:p>
+            <a:r>
+              <a:rPr lang="en-US" sz="1800" b="1" i="0" dirty="0">
+                <a:effectLst/>
+                <a:latin typeface="Times New Roman" panose="02020603050405020304" pitchFamily="18" charset="0"/>
+                <a:cs typeface="Times New Roman" panose="02020603050405020304" pitchFamily="18" charset="0"/>
+              </a:rPr>
+              <a:t>A critical application of a smart traffic system using IoT is providing priority access to police, fire, and ambulance services.</a:t>
+            </a:r>
+            <a:endParaRPr lang="en-US" sz="1800" b="1" dirty="0">
+              <a:latin typeface="Times New Roman" panose="02020603050405020304" pitchFamily="18" charset="0"/>
+              <a:cs typeface="Times New Roman" panose="02020603050405020304" pitchFamily="18" charset="0"/>
+            </a:endParaRPr>
+          </a:p>
+        </p:txBody>
+      </p:sp>
+    </p:spTree>
+    <p:extLst>
+      <p:ext uri="{BB962C8B-B14F-4D97-AF65-F5344CB8AC3E}">
+        <p14:creationId xmlns:p14="http://schemas.microsoft.com/office/powerpoint/2010/main" val="2713651861"/>
+      </p:ext>
+    </p:extLst>
+  </p:cSld>
+  <p:clrMapOvr>
+    <a:masterClrMapping/>
+  </p:clrMapOvr>
+</p:sld>
+</file>
+
+<file path=ppt/slides/slide16.xml><?xml version="1.0" encoding="utf-8"?>
+<p:sld xmlns:a="http://schemas.openxmlformats.org/drawingml/2006/main" xmlns:r="http://schemas.openxmlformats.org/officeDocument/2006/relationships" xmlns:p="http://schemas.openxmlformats.org/presentationml/2006/main">
+  <p:cSld>
+    <p:spTree>
+      <p:nvGrpSpPr>
+        <p:cNvPr id="1" name=""/>
+        <p:cNvGrpSpPr/>
+        <p:nvPr/>
+      </p:nvGrpSpPr>
+      <p:grpSpPr>
+        <a:xfrm>
+          <a:off x="0" y="0"/>
+          <a:ext cx="0" cy="0"/>
+          <a:chOff x="0" y="0"/>
+          <a:chExt cx="0" cy="0"/>
+        </a:xfrm>
+      </p:grpSpPr>
+      <p:sp>
+        <p:nvSpPr>
+          <p:cNvPr id="2" name="Title 1">
+            <a:extLst>
+              <a:ext uri="{FF2B5EF4-FFF2-40B4-BE49-F238E27FC236}">
+                <a16:creationId xmlns:a16="http://schemas.microsoft.com/office/drawing/2014/main" id="{DFFCBEB5-B53B-9350-B14D-3EA79F6F864F}"/>
+              </a:ext>
+            </a:extLst>
+          </p:cNvPr>
+          <p:cNvSpPr>
+            <a:spLocks noGrp="1"/>
+          </p:cNvSpPr>
+          <p:nvPr>
+            <p:ph type="title"/>
+          </p:nvPr>
+        </p:nvSpPr>
+        <p:spPr>
+          <a:xfrm>
+            <a:off x="581193" y="4693389"/>
+            <a:ext cx="11029616" cy="566738"/>
+          </a:xfrm>
+        </p:spPr>
+        <p:txBody>
+          <a:bodyPr anchor="b">
+            <a:normAutofit/>
+          </a:bodyPr>
+          <a:lstStyle/>
+          <a:p>
+            <a:r>
+              <a:rPr lang="en-US" sz="2800" b="1" i="1" dirty="0">
+                <a:effectLst/>
+                <a:latin typeface="Times New Roman" panose="02020603050405020304" pitchFamily="18" charset="0"/>
+                <a:cs typeface="Times New Roman" panose="02020603050405020304" pitchFamily="18" charset="0"/>
+              </a:rPr>
+              <a:t>Face Recognition Bot</a:t>
+            </a:r>
+            <a:endParaRPr lang="en-US" sz="2800" b="1" i="1" dirty="0">
+              <a:latin typeface="Times New Roman" panose="02020603050405020304" pitchFamily="18" charset="0"/>
+              <a:cs typeface="Times New Roman" panose="02020603050405020304" pitchFamily="18" charset="0"/>
+            </a:endParaRPr>
+          </a:p>
+        </p:txBody>
+      </p:sp>
+      <p:pic>
+        <p:nvPicPr>
+          <p:cNvPr id="5" name="Picture 4" descr="Graphical user interface&#10;&#10;Description automatically generated">
+            <a:extLst>
+              <a:ext uri="{FF2B5EF4-FFF2-40B4-BE49-F238E27FC236}">
+                <a16:creationId xmlns:a16="http://schemas.microsoft.com/office/drawing/2014/main" id="{E18977CF-BB13-6314-EC29-3D363FFF2D1A}"/>
+              </a:ext>
+            </a:extLst>
+          </p:cNvPr>
+          <p:cNvPicPr>
+            <a:picLocks noChangeAspect="1"/>
+          </p:cNvPicPr>
+          <p:nvPr/>
+        </p:nvPicPr>
+        <p:blipFill rotWithShape="1">
+          <a:blip r:embed="rId2"/>
+          <a:srcRect t="21157" r="-1" b="31643"/>
+          <a:stretch/>
+        </p:blipFill>
+        <p:spPr>
+          <a:xfrm>
+            <a:off x="447817" y="599725"/>
+            <a:ext cx="11290859" cy="3410300"/>
+          </a:xfrm>
+          <a:prstGeom prst="rect">
+            <a:avLst/>
+          </a:prstGeom>
+          <a:noFill/>
+        </p:spPr>
+      </p:pic>
+      <p:sp>
+        <p:nvSpPr>
+          <p:cNvPr id="3" name="Content Placeholder 2">
+            <a:extLst>
+              <a:ext uri="{FF2B5EF4-FFF2-40B4-BE49-F238E27FC236}">
+                <a16:creationId xmlns:a16="http://schemas.microsoft.com/office/drawing/2014/main" id="{9634D0EB-846F-1AE0-F074-513BD50D0277}"/>
+              </a:ext>
+            </a:extLst>
+          </p:cNvPr>
+          <p:cNvSpPr>
+            <a:spLocks noGrp="1"/>
+          </p:cNvSpPr>
+          <p:nvPr>
+            <p:ph type="body" sz="half" idx="2"/>
+          </p:nvPr>
+        </p:nvSpPr>
+        <p:spPr>
+          <a:xfrm>
+            <a:off x="581192" y="5260127"/>
+            <a:ext cx="11029617" cy="1112098"/>
+          </a:xfrm>
+        </p:spPr>
+        <p:txBody>
+          <a:bodyPr anchor="ctr">
+            <a:noAutofit/>
+          </a:bodyPr>
+          <a:lstStyle/>
+          <a:p>
+            <a:r>
+              <a:rPr lang="en-US" sz="2000" b="1" i="0" dirty="0">
+                <a:effectLst/>
+                <a:latin typeface="Times New Roman" panose="02020603050405020304" pitchFamily="18" charset="0"/>
+                <a:cs typeface="Times New Roman" panose="02020603050405020304" pitchFamily="18" charset="0"/>
+              </a:rPr>
+              <a:t>recognize that person’s voice and thus receive various commands for welcoming guests or for security purposes.</a:t>
+            </a:r>
+            <a:endParaRPr lang="en-US" sz="2000" b="1" dirty="0">
+              <a:latin typeface="Times New Roman" panose="02020603050405020304" pitchFamily="18" charset="0"/>
+              <a:cs typeface="Times New Roman" panose="02020603050405020304" pitchFamily="18" charset="0"/>
+            </a:endParaRPr>
+          </a:p>
+        </p:txBody>
+      </p:sp>
+    </p:spTree>
+    <p:extLst>
+      <p:ext uri="{BB962C8B-B14F-4D97-AF65-F5344CB8AC3E}">
+        <p14:creationId xmlns:p14="http://schemas.microsoft.com/office/powerpoint/2010/main" val="1883598426"/>
+      </p:ext>
+    </p:extLst>
+  </p:cSld>
+  <p:clrMapOvr>
+    <a:masterClrMapping/>
+  </p:clrMapOvr>
+</p:sld>
+</file>
+
+<file path=ppt/slides/slide17.xml><?xml version="1.0" encoding="utf-8"?>
+<p:sld xmlns:a="http://schemas.openxmlformats.org/drawingml/2006/main" xmlns:r="http://schemas.openxmlformats.org/officeDocument/2006/relationships" xmlns:p="http://schemas.openxmlformats.org/presentationml/2006/main">
+  <p:cSld>
+    <p:spTree>
+      <p:nvGrpSpPr>
+        <p:cNvPr id="1" name=""/>
+        <p:cNvGrpSpPr/>
+        <p:nvPr/>
+      </p:nvGrpSpPr>
+      <p:grpSpPr>
+        <a:xfrm>
+          <a:off x="0" y="0"/>
+          <a:ext cx="0" cy="0"/>
+          <a:chOff x="0" y="0"/>
+          <a:chExt cx="0" cy="0"/>
+        </a:xfrm>
+      </p:grpSpPr>
+      <p:sp>
+        <p:nvSpPr>
+          <p:cNvPr id="2" name="Title 1">
+            <a:extLst>
+              <a:ext uri="{FF2B5EF4-FFF2-40B4-BE49-F238E27FC236}">
                 <a16:creationId xmlns:a16="http://schemas.microsoft.com/office/drawing/2014/main" id="{DAA08775-4282-61DD-F388-97A4CB8A05E9}"/>
               </a:ext>
             </a:extLst>
@@ -6642,7 +7272,7 @@
 </p:sld>
 </file>
 
-<file path=ppt/slides/slide16.xml><?xml version="1.0" encoding="utf-8"?>
+<file path=ppt/slides/slide18.xml><?xml version="1.0" encoding="utf-8"?>
 <p:sld xmlns:a="http://schemas.openxmlformats.org/drawingml/2006/main" xmlns:r="http://schemas.openxmlformats.org/officeDocument/2006/relationships" xmlns:p="http://schemas.openxmlformats.org/presentationml/2006/main">
   <p:cSld>
     <p:spTree>
@@ -6792,7 +7422,7 @@
 </p:sld>
 </file>
 
-<file path=ppt/slides/slide17.xml><?xml version="1.0" encoding="utf-8"?>
+<file path=ppt/slides/slide19.xml><?xml version="1.0" encoding="utf-8"?>
 <p:sld xmlns:a="http://schemas.openxmlformats.org/drawingml/2006/main" xmlns:r="http://schemas.openxmlformats.org/officeDocument/2006/relationships" xmlns:p="http://schemas.openxmlformats.org/presentationml/2006/main">
   <p:cSld>
     <p:bg>
@@ -7257,6 +7887,360 @@
 <file path=ppt/slides/slide2.xml><?xml version="1.0" encoding="utf-8"?>
 <p:sld xmlns:a="http://schemas.openxmlformats.org/drawingml/2006/main" xmlns:r="http://schemas.openxmlformats.org/officeDocument/2006/relationships" xmlns:p="http://schemas.openxmlformats.org/presentationml/2006/main">
   <p:cSld>
+    <p:spTree>
+      <p:nvGrpSpPr>
+        <p:cNvPr id="1" name=""/>
+        <p:cNvGrpSpPr/>
+        <p:nvPr/>
+      </p:nvGrpSpPr>
+      <p:grpSpPr>
+        <a:xfrm>
+          <a:off x="0" y="0"/>
+          <a:ext cx="0" cy="0"/>
+          <a:chOff x="0" y="0"/>
+          <a:chExt cx="0" cy="0"/>
+        </a:xfrm>
+      </p:grpSpPr>
+      <p:sp>
+        <p:nvSpPr>
+          <p:cNvPr id="2" name="TextBox 1">
+            <a:extLst>
+              <a:ext uri="{FF2B5EF4-FFF2-40B4-BE49-F238E27FC236}">
+                <a16:creationId xmlns:a16="http://schemas.microsoft.com/office/drawing/2014/main" id="{BA942643-963B-D01A-B20D-5919945D8547}"/>
+              </a:ext>
+            </a:extLst>
+          </p:cNvPr>
+          <p:cNvSpPr txBox="1"/>
+          <p:nvPr/>
+        </p:nvSpPr>
+        <p:spPr>
+          <a:xfrm>
+            <a:off x="4544008" y="718457"/>
+            <a:ext cx="5178490" cy="707886"/>
+          </a:xfrm>
+          <a:prstGeom prst="rect">
+            <a:avLst/>
+          </a:prstGeom>
+          <a:noFill/>
+        </p:spPr>
+        <p:txBody>
+          <a:bodyPr wrap="square" rtlCol="0">
+            <a:spAutoFit/>
+          </a:bodyPr>
+          <a:lstStyle/>
+          <a:p>
+            <a:r>
+              <a:rPr lang="en-US" sz="4000" b="1" dirty="0">
+                <a:solidFill>
+                  <a:schemeClr val="accent1">
+                    <a:lumMod val="75000"/>
+                  </a:schemeClr>
+                </a:solidFill>
+              </a:rPr>
+              <a:t>Agenda</a:t>
+            </a:r>
+            <a:r>
+              <a:rPr lang="en-US" dirty="0"/>
+              <a:t> </a:t>
+            </a:r>
+          </a:p>
+        </p:txBody>
+      </p:sp>
+      <p:sp>
+        <p:nvSpPr>
+          <p:cNvPr id="3" name="TextBox 2">
+            <a:extLst>
+              <a:ext uri="{FF2B5EF4-FFF2-40B4-BE49-F238E27FC236}">
+                <a16:creationId xmlns:a16="http://schemas.microsoft.com/office/drawing/2014/main" id="{83AEA6C3-1742-C017-A935-C6500EA3EE34}"/>
+              </a:ext>
+            </a:extLst>
+          </p:cNvPr>
+          <p:cNvSpPr txBox="1"/>
+          <p:nvPr/>
+        </p:nvSpPr>
+        <p:spPr>
+          <a:xfrm>
+            <a:off x="1073021" y="1687354"/>
+            <a:ext cx="3816220" cy="5170646"/>
+          </a:xfrm>
+          <a:prstGeom prst="rect">
+            <a:avLst/>
+          </a:prstGeom>
+          <a:noFill/>
+        </p:spPr>
+        <p:txBody>
+          <a:bodyPr wrap="square" rtlCol="0">
+            <a:spAutoFit/>
+          </a:bodyPr>
+          <a:lstStyle/>
+          <a:p>
+            <a:pPr marL="342900" indent="-342900">
+              <a:buFont typeface="Wingdings" panose="05000000000000000000" pitchFamily="2" charset="2"/>
+              <a:buChar char="v"/>
+            </a:pPr>
+            <a:r>
+              <a:rPr lang="en-US" sz="2400" dirty="0"/>
+              <a:t>Abstract</a:t>
+            </a:r>
+          </a:p>
+          <a:p>
+            <a:pPr marL="342900" indent="-342900">
+              <a:buFont typeface="Wingdings" panose="05000000000000000000" pitchFamily="2" charset="2"/>
+              <a:buChar char="v"/>
+            </a:pPr>
+            <a:r>
+              <a:rPr lang="en-US" sz="2400" dirty="0"/>
+              <a:t>What is IOT</a:t>
+            </a:r>
+          </a:p>
+          <a:p>
+            <a:pPr marL="342900" indent="-342900">
+              <a:buFont typeface="Wingdings" panose="05000000000000000000" pitchFamily="2" charset="2"/>
+              <a:buChar char="v"/>
+            </a:pPr>
+            <a:r>
+              <a:rPr lang="en-US" sz="2400" dirty="0"/>
+              <a:t>History</a:t>
+            </a:r>
+          </a:p>
+          <a:p>
+            <a:pPr marL="342900" indent="-342900">
+              <a:buFont typeface="Wingdings" panose="05000000000000000000" pitchFamily="2" charset="2"/>
+              <a:buChar char="v"/>
+            </a:pPr>
+            <a:r>
+              <a:rPr lang="en-US" sz="2400" dirty="0"/>
+              <a:t>Cyber security in the IOT</a:t>
+            </a:r>
+          </a:p>
+          <a:p>
+            <a:pPr marL="342900" indent="-342900">
+              <a:buFont typeface="Wingdings" panose="05000000000000000000" pitchFamily="2" charset="2"/>
+              <a:buChar char="v"/>
+            </a:pPr>
+            <a:r>
+              <a:rPr lang="en-US" sz="2400" dirty="0"/>
+              <a:t>Future of IOT</a:t>
+            </a:r>
+          </a:p>
+          <a:p>
+            <a:pPr marL="342900" indent="-342900">
+              <a:buFont typeface="Wingdings" panose="05000000000000000000" pitchFamily="2" charset="2"/>
+              <a:buChar char="v"/>
+            </a:pPr>
+            <a:r>
+              <a:rPr lang="en-US" sz="2400" dirty="0"/>
+              <a:t>Delivery system by using drone</a:t>
+            </a:r>
+          </a:p>
+          <a:p>
+            <a:pPr marL="342900" indent="-342900">
+              <a:buFont typeface="Wingdings" panose="05000000000000000000" pitchFamily="2" charset="2"/>
+              <a:buChar char="v"/>
+            </a:pPr>
+            <a:r>
+              <a:rPr lang="en-US" sz="2400" dirty="0"/>
+              <a:t>Smart security</a:t>
+            </a:r>
+          </a:p>
+          <a:p>
+            <a:pPr marL="342900" indent="-342900">
+              <a:buFont typeface="Wingdings" panose="05000000000000000000" pitchFamily="2" charset="2"/>
+              <a:buChar char="v"/>
+            </a:pPr>
+            <a:r>
+              <a:rPr lang="en-US" sz="2400" dirty="0"/>
+              <a:t>Smart meter monitoring</a:t>
+            </a:r>
+          </a:p>
+          <a:p>
+            <a:pPr marL="342900" indent="-342900">
+              <a:buFont typeface="Wingdings" panose="05000000000000000000" pitchFamily="2" charset="2"/>
+              <a:buChar char="v"/>
+            </a:pPr>
+            <a:r>
+              <a:rPr lang="en-US" sz="2400" dirty="0"/>
+              <a:t>Smart traffic management system</a:t>
+            </a:r>
+          </a:p>
+          <a:p>
+            <a:pPr marL="342900" indent="-342900">
+              <a:buFont typeface="Wingdings" panose="05000000000000000000" pitchFamily="2" charset="2"/>
+              <a:buChar char="v"/>
+            </a:pPr>
+            <a:r>
+              <a:rPr lang="en-US" sz="2400" dirty="0"/>
+              <a:t>Face recognition bot</a:t>
+            </a:r>
+          </a:p>
+          <a:p>
+            <a:pPr marL="342900" indent="-342900">
+              <a:buFont typeface="Wingdings" panose="05000000000000000000" pitchFamily="2" charset="2"/>
+              <a:buChar char="v"/>
+            </a:pPr>
+            <a:r>
+              <a:rPr lang="en-US" sz="2400" dirty="0"/>
+              <a:t>Another future projects</a:t>
+            </a:r>
+          </a:p>
+          <a:p>
+            <a:endParaRPr lang="en-US" dirty="0"/>
+          </a:p>
+        </p:txBody>
+      </p:sp>
+    </p:spTree>
+    <p:extLst>
+      <p:ext uri="{BB962C8B-B14F-4D97-AF65-F5344CB8AC3E}">
+        <p14:creationId xmlns:p14="http://schemas.microsoft.com/office/powerpoint/2010/main" val="2891623738"/>
+      </p:ext>
+    </p:extLst>
+  </p:cSld>
+  <p:clrMapOvr>
+    <a:masterClrMapping/>
+  </p:clrMapOvr>
+</p:sld>
+</file>
+
+<file path=ppt/slides/slide3.xml><?xml version="1.0" encoding="utf-8"?>
+<p:sld xmlns:a="http://schemas.openxmlformats.org/drawingml/2006/main" xmlns:r="http://schemas.openxmlformats.org/officeDocument/2006/relationships" xmlns:p="http://schemas.openxmlformats.org/presentationml/2006/main">
+  <p:cSld>
+    <p:spTree>
+      <p:nvGrpSpPr>
+        <p:cNvPr id="1" name=""/>
+        <p:cNvGrpSpPr/>
+        <p:nvPr/>
+      </p:nvGrpSpPr>
+      <p:grpSpPr>
+        <a:xfrm>
+          <a:off x="0" y="0"/>
+          <a:ext cx="0" cy="0"/>
+          <a:chOff x="0" y="0"/>
+          <a:chExt cx="0" cy="0"/>
+        </a:xfrm>
+      </p:grpSpPr>
+      <p:sp>
+        <p:nvSpPr>
+          <p:cNvPr id="2" name="Title 1">
+            <a:extLst>
+              <a:ext uri="{FF2B5EF4-FFF2-40B4-BE49-F238E27FC236}">
+                <a16:creationId xmlns:a16="http://schemas.microsoft.com/office/drawing/2014/main" id="{7863E001-9C39-C859-EE96-D47D18AC89A8}"/>
+              </a:ext>
+            </a:extLst>
+          </p:cNvPr>
+          <p:cNvSpPr>
+            <a:spLocks noGrp="1"/>
+          </p:cNvSpPr>
+          <p:nvPr>
+            <p:ph type="title"/>
+          </p:nvPr>
+        </p:nvSpPr>
+        <p:spPr/>
+        <p:txBody>
+          <a:bodyPr/>
+          <a:lstStyle/>
+          <a:p>
+            <a:pPr algn="ctr"/>
+            <a:r>
+              <a:rPr lang="en-US" sz="4000" i="1" dirty="0"/>
+              <a:t>Abstract</a:t>
+            </a:r>
+            <a:r>
+              <a:rPr lang="en-US" dirty="0"/>
+              <a:t> </a:t>
+            </a:r>
+          </a:p>
+        </p:txBody>
+      </p:sp>
+      <p:sp>
+        <p:nvSpPr>
+          <p:cNvPr id="3" name="TextBox 2">
+            <a:extLst>
+              <a:ext uri="{FF2B5EF4-FFF2-40B4-BE49-F238E27FC236}">
+                <a16:creationId xmlns:a16="http://schemas.microsoft.com/office/drawing/2014/main" id="{F3FFFC5F-1D70-79AE-6914-BB46DE16FBB4}"/>
+              </a:ext>
+            </a:extLst>
+          </p:cNvPr>
+          <p:cNvSpPr txBox="1"/>
+          <p:nvPr/>
+        </p:nvSpPr>
+        <p:spPr>
+          <a:xfrm>
+            <a:off x="2230017" y="2056686"/>
+            <a:ext cx="7445829" cy="4801314"/>
+          </a:xfrm>
+          <a:prstGeom prst="rect">
+            <a:avLst/>
+          </a:prstGeom>
+          <a:noFill/>
+        </p:spPr>
+        <p:txBody>
+          <a:bodyPr wrap="square" rtlCol="0">
+            <a:spAutoFit/>
+          </a:bodyPr>
+          <a:lstStyle/>
+          <a:p>
+            <a:pPr algn="just"/>
+            <a:r>
+              <a:rPr lang="en-US" sz="1800" b="1" dirty="0">
+                <a:effectLst/>
+                <a:latin typeface="Times New Roman" panose="02020603050405020304" pitchFamily="18" charset="0"/>
+                <a:ea typeface="Calibri" panose="020F0502020204030204" pitchFamily="34" charset="0"/>
+              </a:rPr>
+              <a:t>Billion embedded computer devices may link to one another thanks to the Internet of Things (IoT). It consists of various gadgets that vary significantly in size, weight, functionality, and capacities, such as sensors, actuators, RFI tags, and cell phones. Their success is well-known, and IoT products and services are also increasing. In the Internet of Things, things may be found, controlled, and managed online. The IoT's most robust feature, this articulation, however, inherits all the security issues that the Internet currently has.</a:t>
+            </a:r>
+          </a:p>
+          <a:p>
+            <a:endParaRPr lang="en-US" sz="1800" b="1" dirty="0">
+              <a:effectLst/>
+              <a:latin typeface="Times New Roman" panose="02020603050405020304" pitchFamily="18" charset="0"/>
+              <a:ea typeface="Calibri" panose="020F0502020204030204" pitchFamily="34" charset="0"/>
+            </a:endParaRPr>
+          </a:p>
+          <a:p>
+            <a:r>
+              <a:rPr lang="en-US" sz="1800" b="1" dirty="0">
+                <a:effectLst/>
+                <a:latin typeface="Times New Roman" panose="02020603050405020304" pitchFamily="18" charset="0"/>
+                <a:ea typeface="Calibri" panose="020F0502020204030204" pitchFamily="34" charset="0"/>
+                <a:cs typeface="Times New Roman" panose="02020603050405020304" pitchFamily="18" charset="0"/>
+              </a:rPr>
+              <a:t>this presentation aims to establish a conceptual foundation for the Internet of Things future. The importance of measuring costs and benefits for companies, consumers, society, and the environment is underlined. The evaluation of usability by stakeholders in both user- and business-centric settings is studied as an unsolved subject. Finally, suggestions are given to both scholars and practitioners.</a:t>
+            </a:r>
+            <a:endParaRPr lang="en-US" sz="1800" b="1" dirty="0">
+              <a:effectLst/>
+              <a:latin typeface="Calibri" panose="020F0502020204030204" pitchFamily="34" charset="0"/>
+              <a:ea typeface="Calibri" panose="020F0502020204030204" pitchFamily="34" charset="0"/>
+              <a:cs typeface="Times New Roman" panose="02020603050405020304" pitchFamily="18" charset="0"/>
+            </a:endParaRPr>
+          </a:p>
+          <a:p>
+            <a:endParaRPr lang="en-US" sz="1800" dirty="0">
+              <a:effectLst/>
+              <a:latin typeface="Times New Roman" panose="02020603050405020304" pitchFamily="18" charset="0"/>
+              <a:ea typeface="Calibri" panose="020F0502020204030204" pitchFamily="34" charset="0"/>
+            </a:endParaRPr>
+          </a:p>
+          <a:p>
+            <a:endParaRPr lang="en-US" dirty="0"/>
+          </a:p>
+        </p:txBody>
+      </p:sp>
+    </p:spTree>
+    <p:extLst>
+      <p:ext uri="{BB962C8B-B14F-4D97-AF65-F5344CB8AC3E}">
+        <p14:creationId xmlns:p14="http://schemas.microsoft.com/office/powerpoint/2010/main" val="2842092283"/>
+      </p:ext>
+    </p:extLst>
+  </p:cSld>
+  <p:clrMapOvr>
+    <a:masterClrMapping/>
+  </p:clrMapOvr>
+</p:sld>
+</file>
+
+<file path=ppt/slides/slide4.xml><?xml version="1.0" encoding="utf-8"?>
+<p:sld xmlns:a="http://schemas.openxmlformats.org/drawingml/2006/main" xmlns:r="http://schemas.openxmlformats.org/officeDocument/2006/relationships" xmlns:p="http://schemas.openxmlformats.org/presentationml/2006/main">
+  <p:cSld>
     <p:bg>
       <p:bgPr>
         <a:solidFill>
@@ -7563,7 +8547,7 @@
 </p:sld>
 </file>
 
-<file path=ppt/slides/slide3.xml><?xml version="1.0" encoding="utf-8"?>
+<file path=ppt/slides/slide5.xml><?xml version="1.0" encoding="utf-8"?>
 <p:sld xmlns:a="http://schemas.openxmlformats.org/drawingml/2006/main" xmlns:r="http://schemas.openxmlformats.org/officeDocument/2006/relationships" xmlns:p="http://schemas.openxmlformats.org/presentationml/2006/main">
   <p:cSld>
     <p:spTree>
@@ -7732,7 +8716,7 @@
 </p:sld>
 </file>
 
-<file path=ppt/slides/slide4.xml><?xml version="1.0" encoding="utf-8"?>
+<file path=ppt/slides/slide6.xml><?xml version="1.0" encoding="utf-8"?>
 <p:sld xmlns:a="http://schemas.openxmlformats.org/drawingml/2006/main" xmlns:r="http://schemas.openxmlformats.org/officeDocument/2006/relationships" xmlns:p="http://schemas.openxmlformats.org/presentationml/2006/main">
   <p:cSld>
     <p:spTree>
@@ -7876,13 +8860,13 @@
   <p:clrMapOvr>
     <a:masterClrMapping/>
   </p:clrMapOvr>
-  <mc:AlternateContent xmlns:mc="http://schemas.openxmlformats.org/markup-compatibility/2006">
-    <mc:Choice xmlns:p14="http://schemas.microsoft.com/office/powerpoint/2010/main" Requires="p14">
+  <mc:AlternateContent xmlns:mc="http://schemas.openxmlformats.org/markup-compatibility/2006" xmlns:p14="http://schemas.microsoft.com/office/powerpoint/2010/main">
+    <mc:Choice Requires="p14">
       <p:transition spd="slow" p14:dur="1500">
         <p:split orient="vert"/>
       </p:transition>
     </mc:Choice>
-    <mc:Fallback>
+    <mc:Fallback xmlns="">
       <p:transition spd="slow">
         <p:split orient="vert"/>
       </p:transition>
@@ -7891,7 +8875,7 @@
 </p:sld>
 </file>
 
-<file path=ppt/slides/slide5.xml><?xml version="1.0" encoding="utf-8"?>
+<file path=ppt/slides/slide7.xml><?xml version="1.0" encoding="utf-8"?>
 <p:sld xmlns:a="http://schemas.openxmlformats.org/drawingml/2006/main" xmlns:r="http://schemas.openxmlformats.org/officeDocument/2006/relationships" xmlns:p="http://schemas.openxmlformats.org/presentationml/2006/main">
   <p:cSld>
     <p:spTree>
@@ -8028,13 +9012,13 @@
   <p:clrMapOvr>
     <a:masterClrMapping/>
   </p:clrMapOvr>
-  <mc:AlternateContent xmlns:mc="http://schemas.openxmlformats.org/markup-compatibility/2006">
-    <mc:Choice xmlns:p14="http://schemas.microsoft.com/office/powerpoint/2010/main" Requires="p14">
+  <mc:AlternateContent xmlns:mc="http://schemas.openxmlformats.org/markup-compatibility/2006" xmlns:p14="http://schemas.microsoft.com/office/powerpoint/2010/main">
+    <mc:Choice Requires="p14">
       <p:transition spd="slow" p14:dur="1500">
         <p:split orient="vert"/>
       </p:transition>
     </mc:Choice>
-    <mc:Fallback>
+    <mc:Fallback xmlns="">
       <p:transition spd="slow">
         <p:split orient="vert"/>
       </p:transition>
@@ -8043,7 +9027,7 @@
 </p:sld>
 </file>
 
-<file path=ppt/slides/slide6.xml><?xml version="1.0" encoding="utf-8"?>
+<file path=ppt/slides/slide8.xml><?xml version="1.0" encoding="utf-8"?>
 <p:sld xmlns:a="http://schemas.openxmlformats.org/drawingml/2006/main" xmlns:r="http://schemas.openxmlformats.org/officeDocument/2006/relationships" xmlns:p="http://schemas.openxmlformats.org/presentationml/2006/main">
   <p:cSld>
     <p:spTree>
@@ -8212,627 +9196,18 @@
   <p:clrMapOvr>
     <a:masterClrMapping/>
   </p:clrMapOvr>
-  <mc:AlternateContent xmlns:mc="http://schemas.openxmlformats.org/markup-compatibility/2006">
-    <mc:Choice xmlns:p14="http://schemas.microsoft.com/office/powerpoint/2010/main" Requires="p14">
+  <mc:AlternateContent xmlns:mc="http://schemas.openxmlformats.org/markup-compatibility/2006" xmlns:p14="http://schemas.microsoft.com/office/powerpoint/2010/main">
+    <mc:Choice Requires="p14">
       <p:transition spd="slow" p14:dur="3400">
         <p14:reveal/>
       </p:transition>
     </mc:Choice>
-    <mc:Fallback>
+    <mc:Fallback xmlns="">
       <p:transition spd="slow">
         <p:fade/>
       </p:transition>
     </mc:Fallback>
   </mc:AlternateContent>
-</p:sld>
-</file>
-
-<file path=ppt/slides/slide7.xml><?xml version="1.0" encoding="utf-8"?>
-<p:sld xmlns:a="http://schemas.openxmlformats.org/drawingml/2006/main" xmlns:r="http://schemas.openxmlformats.org/officeDocument/2006/relationships" xmlns:p="http://schemas.openxmlformats.org/presentationml/2006/main">
-  <p:cSld>
-    <p:spTree>
-      <p:nvGrpSpPr>
-        <p:cNvPr id="1" name=""/>
-        <p:cNvGrpSpPr/>
-        <p:nvPr/>
-      </p:nvGrpSpPr>
-      <p:grpSpPr>
-        <a:xfrm>
-          <a:off x="0" y="0"/>
-          <a:ext cx="0" cy="0"/>
-          <a:chOff x="0" y="0"/>
-          <a:chExt cx="0" cy="0"/>
-        </a:xfrm>
-      </p:grpSpPr>
-      <p:sp>
-        <p:nvSpPr>
-          <p:cNvPr id="2" name="Title 1">
-            <a:extLst>
-              <a:ext uri="{FF2B5EF4-FFF2-40B4-BE49-F238E27FC236}">
-                <a16:creationId xmlns:a16="http://schemas.microsoft.com/office/drawing/2014/main" id="{1391957D-17B1-6A2E-431E-BD18ACF05435}"/>
-              </a:ext>
-            </a:extLst>
-          </p:cNvPr>
-          <p:cNvSpPr>
-            <a:spLocks noGrp="1"/>
-          </p:cNvSpPr>
-          <p:nvPr>
-            <p:ph type="title"/>
-          </p:nvPr>
-        </p:nvSpPr>
-        <p:spPr>
-          <a:xfrm>
-            <a:off x="581193" y="4343400"/>
-            <a:ext cx="11029616" cy="916727"/>
-          </a:xfrm>
-        </p:spPr>
-        <p:txBody>
-          <a:bodyPr anchor="b">
-            <a:normAutofit/>
-          </a:bodyPr>
-          <a:lstStyle/>
-          <a:p>
-            <a:r>
-              <a:rPr lang="en-US" sz="2800" b="1" i="1" dirty="0"/>
-              <a:t>Designs smart house </a:t>
-            </a:r>
-          </a:p>
-        </p:txBody>
-      </p:sp>
-      <p:pic>
-        <p:nvPicPr>
-          <p:cNvPr id="5" name="Picture 4" descr="A picture containing text, sofa, indoor, living&#10;&#10;Description automatically generated">
-            <a:extLst>
-              <a:ext uri="{FF2B5EF4-FFF2-40B4-BE49-F238E27FC236}">
-                <a16:creationId xmlns:a16="http://schemas.microsoft.com/office/drawing/2014/main" id="{B4FB47D1-6020-F96C-E60D-D09827E04125}"/>
-              </a:ext>
-            </a:extLst>
-          </p:cNvPr>
-          <p:cNvPicPr>
-            <a:picLocks noChangeAspect="1"/>
-          </p:cNvPicPr>
-          <p:nvPr/>
-        </p:nvPicPr>
-        <p:blipFill rotWithShape="1">
-          <a:blip r:embed="rId2"/>
-          <a:srcRect t="14847" r="-1" b="28893"/>
-          <a:stretch/>
-        </p:blipFill>
-        <p:spPr>
-          <a:xfrm>
-            <a:off x="447817" y="599725"/>
-            <a:ext cx="11290859" cy="3924650"/>
-          </a:xfrm>
-          <a:prstGeom prst="rect">
-            <a:avLst/>
-          </a:prstGeom>
-          <a:noFill/>
-        </p:spPr>
-      </p:pic>
-      <p:sp>
-        <p:nvSpPr>
-          <p:cNvPr id="3" name="Content Placeholder 2">
-            <a:extLst>
-              <a:ext uri="{FF2B5EF4-FFF2-40B4-BE49-F238E27FC236}">
-                <a16:creationId xmlns:a16="http://schemas.microsoft.com/office/drawing/2014/main" id="{430C6FFA-E0B6-21C3-8199-19B3C1645405}"/>
-              </a:ext>
-            </a:extLst>
-          </p:cNvPr>
-          <p:cNvSpPr>
-            <a:spLocks noGrp="1"/>
-          </p:cNvSpPr>
-          <p:nvPr>
-            <p:ph type="body" sz="half" idx="2"/>
-          </p:nvPr>
-        </p:nvSpPr>
-        <p:spPr>
-          <a:xfrm>
-            <a:off x="581192" y="5260127"/>
-            <a:ext cx="11029617" cy="1245448"/>
-          </a:xfrm>
-        </p:spPr>
-        <p:txBody>
-          <a:bodyPr anchor="ctr">
-            <a:normAutofit fontScale="70000" lnSpcReduction="20000"/>
-          </a:bodyPr>
-          <a:lstStyle/>
-          <a:p>
-            <a:r>
-              <a:rPr lang="en-US" sz="3400" b="1" dirty="0">
-                <a:effectLst/>
-                <a:latin typeface="Times New Roman" panose="02020603050405020304" pitchFamily="18" charset="0"/>
-                <a:cs typeface="Times New Roman" panose="02020603050405020304" pitchFamily="18" charset="0"/>
-              </a:rPr>
-              <a:t>The Internet of Things (IoT) may assist in designing smart homes in various ways, including energy consumption management, communication with appliances, emergency detection, home safety, accessible object searching, home security, etc.</a:t>
-            </a:r>
-          </a:p>
-          <a:p>
-            <a:endParaRPr lang="en-US" dirty="0"/>
-          </a:p>
-        </p:txBody>
-      </p:sp>
-    </p:spTree>
-    <p:extLst>
-      <p:ext uri="{BB962C8B-B14F-4D97-AF65-F5344CB8AC3E}">
-        <p14:creationId xmlns:p14="http://schemas.microsoft.com/office/powerpoint/2010/main" val="2891139786"/>
-      </p:ext>
-    </p:extLst>
-  </p:cSld>
-  <p:clrMapOvr>
-    <a:masterClrMapping/>
-  </p:clrMapOvr>
-</p:sld>
-</file>
-
-<file path=ppt/slides/slide8.xml><?xml version="1.0" encoding="utf-8"?>
-<p:sld xmlns:a="http://schemas.openxmlformats.org/drawingml/2006/main" xmlns:r="http://schemas.openxmlformats.org/officeDocument/2006/relationships" xmlns:p="http://schemas.openxmlformats.org/presentationml/2006/main">
-  <p:cSld>
-    <p:spTree>
-      <p:nvGrpSpPr>
-        <p:cNvPr id="1" name=""/>
-        <p:cNvGrpSpPr/>
-        <p:nvPr/>
-      </p:nvGrpSpPr>
-      <p:grpSpPr>
-        <a:xfrm>
-          <a:off x="0" y="0"/>
-          <a:ext cx="0" cy="0"/>
-          <a:chOff x="0" y="0"/>
-          <a:chExt cx="0" cy="0"/>
-        </a:xfrm>
-      </p:grpSpPr>
-      <p:sp>
-        <p:nvSpPr>
-          <p:cNvPr id="2" name="Title 1">
-            <a:extLst>
-              <a:ext uri="{FF2B5EF4-FFF2-40B4-BE49-F238E27FC236}">
-                <a16:creationId xmlns:a16="http://schemas.microsoft.com/office/drawing/2014/main" id="{63BF0777-9EE0-5F97-211A-29120BF8542C}"/>
-              </a:ext>
-            </a:extLst>
-          </p:cNvPr>
-          <p:cNvSpPr>
-            <a:spLocks noGrp="1"/>
-          </p:cNvSpPr>
-          <p:nvPr>
-            <p:ph type="title"/>
-          </p:nvPr>
-        </p:nvSpPr>
-        <p:spPr/>
-        <p:txBody>
-          <a:bodyPr/>
-          <a:lstStyle/>
-          <a:p>
-            <a:r>
-              <a:rPr lang="en-US" dirty="0"/>
-              <a:t>Smart home </a:t>
-            </a:r>
-          </a:p>
-        </p:txBody>
-      </p:sp>
-      <p:sp>
-        <p:nvSpPr>
-          <p:cNvPr id="3" name="Content Placeholder 2">
-            <a:extLst>
-              <a:ext uri="{FF2B5EF4-FFF2-40B4-BE49-F238E27FC236}">
-                <a16:creationId xmlns:a16="http://schemas.microsoft.com/office/drawing/2014/main" id="{E180A919-9B3D-E64E-055F-9B4B2AE15D8B}"/>
-              </a:ext>
-            </a:extLst>
-          </p:cNvPr>
-          <p:cNvSpPr>
-            <a:spLocks noGrp="1"/>
-          </p:cNvSpPr>
-          <p:nvPr>
-            <p:ph sz="half" idx="2"/>
-          </p:nvPr>
-        </p:nvSpPr>
-        <p:spPr>
-          <a:xfrm>
-            <a:off x="702900" y="2739439"/>
-            <a:ext cx="5393100" cy="2934999"/>
-          </a:xfrm>
-        </p:spPr>
-        <p:txBody>
-          <a:bodyPr/>
-          <a:lstStyle/>
-          <a:p>
-            <a:pPr marL="342900" marR="0" lvl="0" indent="-342900" algn="just">
-              <a:lnSpc>
-                <a:spcPct val="107000"/>
-              </a:lnSpc>
-              <a:spcBef>
-                <a:spcPts val="0"/>
-              </a:spcBef>
-              <a:spcAft>
-                <a:spcPts val="0"/>
-              </a:spcAft>
-              <a:buFont typeface="Symbol" panose="05050102010706020507" pitchFamily="18" charset="2"/>
-              <a:buChar char=""/>
-            </a:pPr>
-            <a:r>
-              <a:rPr lang="en-US" sz="2000" b="1" dirty="0">
-                <a:solidFill>
-                  <a:schemeClr val="tx1"/>
-                </a:solidFill>
-                <a:effectLst/>
-                <a:latin typeface="Times New Roman" panose="02020603050405020304" pitchFamily="18" charset="0"/>
-                <a:ea typeface="Calibri" panose="020F0502020204030204" pitchFamily="34" charset="0"/>
-                <a:cs typeface="Times New Roman" panose="02020603050405020304" pitchFamily="18" charset="0"/>
-              </a:rPr>
-              <a:t>Environment control                                                                      </a:t>
-            </a:r>
-          </a:p>
-          <a:p>
-            <a:pPr marL="151200" marR="0" indent="0" algn="just">
-              <a:lnSpc>
-                <a:spcPct val="107000"/>
-              </a:lnSpc>
-              <a:spcBef>
-                <a:spcPts val="0"/>
-              </a:spcBef>
-              <a:spcAft>
-                <a:spcPts val="0"/>
-              </a:spcAft>
-              <a:buNone/>
-            </a:pPr>
-            <a:r>
-              <a:rPr lang="en-US" sz="2000" b="1" dirty="0">
-                <a:solidFill>
-                  <a:schemeClr val="tx1"/>
-                </a:solidFill>
-                <a:effectLst/>
-                <a:latin typeface="Times New Roman" panose="02020603050405020304" pitchFamily="18" charset="0"/>
-                <a:ea typeface="Calibri" panose="020F0502020204030204" pitchFamily="34" charset="0"/>
-                <a:cs typeface="Times New Roman" panose="02020603050405020304" pitchFamily="18" charset="0"/>
-              </a:rPr>
-              <a:t> </a:t>
-            </a:r>
-          </a:p>
-          <a:p>
-            <a:pPr marL="685800" marR="0" algn="just">
-              <a:lnSpc>
-                <a:spcPct val="107000"/>
-              </a:lnSpc>
-              <a:spcBef>
-                <a:spcPts val="0"/>
-              </a:spcBef>
-              <a:spcAft>
-                <a:spcPts val="0"/>
-              </a:spcAft>
-            </a:pPr>
-            <a:r>
-              <a:rPr lang="en-US" sz="2000" b="1" dirty="0">
-                <a:solidFill>
-                  <a:schemeClr val="tx1"/>
-                </a:solidFill>
-                <a:effectLst/>
-                <a:latin typeface="Times New Roman" panose="02020603050405020304" pitchFamily="18" charset="0"/>
-                <a:ea typeface="Calibri" panose="020F0502020204030204" pitchFamily="34" charset="0"/>
-                <a:cs typeface="Times New Roman" panose="02020603050405020304" pitchFamily="18" charset="0"/>
-              </a:rPr>
-              <a:t>Smart thermostat (e.g., Nest)</a:t>
-            </a:r>
-          </a:p>
-          <a:p>
-            <a:pPr marL="685800" marR="0" algn="just">
-              <a:lnSpc>
-                <a:spcPct val="107000"/>
-              </a:lnSpc>
-              <a:spcBef>
-                <a:spcPts val="0"/>
-              </a:spcBef>
-              <a:spcAft>
-                <a:spcPts val="0"/>
-              </a:spcAft>
-            </a:pPr>
-            <a:r>
-              <a:rPr lang="en-US" sz="2000" b="1" dirty="0">
-                <a:solidFill>
-                  <a:schemeClr val="tx1"/>
-                </a:solidFill>
-                <a:effectLst/>
-                <a:latin typeface="Times New Roman" panose="02020603050405020304" pitchFamily="18" charset="0"/>
-                <a:ea typeface="Calibri" panose="020F0502020204030204" pitchFamily="34" charset="0"/>
-                <a:cs typeface="Times New Roman" panose="02020603050405020304" pitchFamily="18" charset="0"/>
-              </a:rPr>
-              <a:t>Air moisture</a:t>
-            </a:r>
-          </a:p>
-          <a:p>
-            <a:pPr marL="685800" marR="0" algn="just">
-              <a:lnSpc>
-                <a:spcPct val="107000"/>
-              </a:lnSpc>
-              <a:spcBef>
-                <a:spcPts val="0"/>
-              </a:spcBef>
-              <a:spcAft>
-                <a:spcPts val="0"/>
-              </a:spcAft>
-            </a:pPr>
-            <a:r>
-              <a:rPr lang="en-US" sz="2000" b="1" dirty="0">
-                <a:solidFill>
-                  <a:schemeClr val="tx1"/>
-                </a:solidFill>
-                <a:effectLst/>
-                <a:latin typeface="Times New Roman" panose="02020603050405020304" pitchFamily="18" charset="0"/>
-                <a:ea typeface="Calibri" panose="020F0502020204030204" pitchFamily="34" charset="0"/>
-                <a:cs typeface="Times New Roman" panose="02020603050405020304" pitchFamily="18" charset="0"/>
-              </a:rPr>
-              <a:t>Smoke alarm</a:t>
-            </a:r>
-          </a:p>
-          <a:p>
-            <a:pPr marL="685800" marR="0" algn="just">
-              <a:lnSpc>
-                <a:spcPct val="107000"/>
-              </a:lnSpc>
-              <a:spcBef>
-                <a:spcPts val="0"/>
-              </a:spcBef>
-              <a:spcAft>
-                <a:spcPts val="0"/>
-              </a:spcAft>
-            </a:pPr>
-            <a:r>
-              <a:rPr lang="en-US" sz="2000" b="1" dirty="0">
-                <a:solidFill>
-                  <a:schemeClr val="tx1"/>
-                </a:solidFill>
-                <a:effectLst/>
-                <a:latin typeface="Times New Roman" panose="02020603050405020304" pitchFamily="18" charset="0"/>
-                <a:ea typeface="Calibri" panose="020F0502020204030204" pitchFamily="34" charset="0"/>
-                <a:cs typeface="Times New Roman" panose="02020603050405020304" pitchFamily="18" charset="0"/>
-              </a:rPr>
-              <a:t>Flood detector</a:t>
-            </a:r>
-          </a:p>
-          <a:p>
-            <a:pPr marL="685800" marR="0" algn="just">
-              <a:lnSpc>
-                <a:spcPct val="107000"/>
-              </a:lnSpc>
-              <a:spcBef>
-                <a:spcPts val="0"/>
-              </a:spcBef>
-              <a:spcAft>
-                <a:spcPts val="0"/>
-              </a:spcAft>
-            </a:pPr>
-            <a:r>
-              <a:rPr lang="en-US" sz="2000" b="1" dirty="0">
-                <a:solidFill>
-                  <a:schemeClr val="tx1"/>
-                </a:solidFill>
-                <a:effectLst/>
-                <a:latin typeface="Times New Roman" panose="02020603050405020304" pitchFamily="18" charset="0"/>
-                <a:ea typeface="Calibri" panose="020F0502020204030204" pitchFamily="34" charset="0"/>
-                <a:cs typeface="Times New Roman" panose="02020603050405020304" pitchFamily="18" charset="0"/>
-              </a:rPr>
-              <a:t>Lighting system</a:t>
-            </a:r>
-          </a:p>
-          <a:p>
-            <a:pPr marL="685800" marR="0" algn="just">
-              <a:lnSpc>
-                <a:spcPct val="107000"/>
-              </a:lnSpc>
-              <a:spcBef>
-                <a:spcPts val="0"/>
-              </a:spcBef>
-              <a:spcAft>
-                <a:spcPts val="800"/>
-              </a:spcAft>
-            </a:pPr>
-            <a:r>
-              <a:rPr lang="en-US" sz="2000" b="1" dirty="0">
-                <a:solidFill>
-                  <a:schemeClr val="tx1"/>
-                </a:solidFill>
-                <a:effectLst/>
-                <a:latin typeface="Times New Roman" panose="02020603050405020304" pitchFamily="18" charset="0"/>
-                <a:ea typeface="Calibri" panose="020F0502020204030204" pitchFamily="34" charset="0"/>
-                <a:cs typeface="Times New Roman" panose="02020603050405020304" pitchFamily="18" charset="0"/>
-              </a:rPr>
-              <a:t>Drapes Sprinkler systems (outdoor)</a:t>
-            </a:r>
-          </a:p>
-          <a:p>
-            <a:pPr marL="379800" marR="0" indent="0" algn="just">
-              <a:lnSpc>
-                <a:spcPct val="107000"/>
-              </a:lnSpc>
-              <a:spcBef>
-                <a:spcPts val="0"/>
-              </a:spcBef>
-              <a:spcAft>
-                <a:spcPts val="800"/>
-              </a:spcAft>
-              <a:buNone/>
-            </a:pPr>
-            <a:endParaRPr lang="en-US" sz="1800" dirty="0">
-              <a:effectLst/>
-              <a:latin typeface="Calibri" panose="020F0502020204030204" pitchFamily="34" charset="0"/>
-              <a:ea typeface="Calibri" panose="020F0502020204030204" pitchFamily="34" charset="0"/>
-              <a:cs typeface="Times New Roman" panose="02020603050405020304" pitchFamily="18" charset="0"/>
-            </a:endParaRPr>
-          </a:p>
-          <a:p>
-            <a:endParaRPr lang="en-US" dirty="0"/>
-          </a:p>
-        </p:txBody>
-      </p:sp>
-      <p:sp>
-        <p:nvSpPr>
-          <p:cNvPr id="6" name="Content Placeholder 5">
-            <a:extLst>
-              <a:ext uri="{FF2B5EF4-FFF2-40B4-BE49-F238E27FC236}">
-                <a16:creationId xmlns:a16="http://schemas.microsoft.com/office/drawing/2014/main" id="{B364CF40-FC5F-F689-E1F7-E836C6C52E74}"/>
-              </a:ext>
-            </a:extLst>
-          </p:cNvPr>
-          <p:cNvSpPr>
-            <a:spLocks noGrp="1"/>
-          </p:cNvSpPr>
-          <p:nvPr>
-            <p:ph sz="quarter" idx="4"/>
-          </p:nvPr>
-        </p:nvSpPr>
-        <p:spPr>
-          <a:xfrm>
-            <a:off x="6217709" y="2739439"/>
-            <a:ext cx="5393100" cy="2934999"/>
-          </a:xfrm>
-        </p:spPr>
-        <p:txBody>
-          <a:bodyPr/>
-          <a:lstStyle/>
-          <a:p>
-            <a:pPr marL="342900" marR="0" lvl="0" indent="-342900" algn="just">
-              <a:lnSpc>
-                <a:spcPct val="107000"/>
-              </a:lnSpc>
-              <a:spcBef>
-                <a:spcPts val="0"/>
-              </a:spcBef>
-              <a:spcAft>
-                <a:spcPts val="0"/>
-              </a:spcAft>
-              <a:buFont typeface="Symbol" panose="05050102010706020507" pitchFamily="18" charset="2"/>
-              <a:buChar char=""/>
-            </a:pPr>
-            <a:r>
-              <a:rPr lang="en-US" sz="2000" b="1" dirty="0">
-                <a:solidFill>
-                  <a:schemeClr val="tx1"/>
-                </a:solidFill>
-                <a:effectLst/>
-                <a:latin typeface="Times New Roman" panose="02020603050405020304" pitchFamily="18" charset="0"/>
-                <a:ea typeface="Calibri" panose="020F0502020204030204" pitchFamily="34" charset="0"/>
-                <a:cs typeface="Times New Roman" panose="02020603050405020304" pitchFamily="18" charset="0"/>
-              </a:rPr>
-              <a:t>Smart Energy HVAC</a:t>
-            </a:r>
-          </a:p>
-          <a:p>
-            <a:pPr marL="0" marR="0" lvl="0" indent="0" algn="just">
-              <a:lnSpc>
-                <a:spcPct val="107000"/>
-              </a:lnSpc>
-              <a:spcBef>
-                <a:spcPts val="0"/>
-              </a:spcBef>
-              <a:spcAft>
-                <a:spcPts val="0"/>
-              </a:spcAft>
-              <a:buNone/>
-            </a:pPr>
-            <a:r>
-              <a:rPr lang="en-US" sz="2000" b="1" dirty="0">
-                <a:solidFill>
-                  <a:schemeClr val="tx1"/>
-                </a:solidFill>
-                <a:effectLst/>
-                <a:latin typeface="Times New Roman" panose="02020603050405020304" pitchFamily="18" charset="0"/>
-                <a:ea typeface="Calibri" panose="020F0502020204030204" pitchFamily="34" charset="0"/>
-                <a:cs typeface="Times New Roman" panose="02020603050405020304" pitchFamily="18" charset="0"/>
-              </a:rPr>
-              <a:t> </a:t>
-            </a:r>
-          </a:p>
-          <a:p>
-            <a:pPr marL="685800" marR="0" algn="just">
-              <a:lnSpc>
-                <a:spcPct val="107000"/>
-              </a:lnSpc>
-              <a:spcBef>
-                <a:spcPts val="0"/>
-              </a:spcBef>
-              <a:spcAft>
-                <a:spcPts val="0"/>
-              </a:spcAft>
-            </a:pPr>
-            <a:r>
-              <a:rPr lang="en-US" sz="2000" b="1" dirty="0">
-                <a:solidFill>
-                  <a:schemeClr val="tx1"/>
-                </a:solidFill>
-                <a:effectLst/>
-                <a:latin typeface="Times New Roman" panose="02020603050405020304" pitchFamily="18" charset="0"/>
-                <a:ea typeface="Calibri" panose="020F0502020204030204" pitchFamily="34" charset="0"/>
-                <a:cs typeface="Times New Roman" panose="02020603050405020304" pitchFamily="18" charset="0"/>
-              </a:rPr>
-              <a:t>Gas meter</a:t>
-            </a:r>
-          </a:p>
-          <a:p>
-            <a:pPr marL="685800" marR="0" algn="just">
-              <a:lnSpc>
-                <a:spcPct val="107000"/>
-              </a:lnSpc>
-              <a:spcBef>
-                <a:spcPts val="0"/>
-              </a:spcBef>
-              <a:spcAft>
-                <a:spcPts val="0"/>
-              </a:spcAft>
-            </a:pPr>
-            <a:r>
-              <a:rPr lang="en-US" sz="2000" b="1" dirty="0">
-                <a:solidFill>
-                  <a:schemeClr val="tx1"/>
-                </a:solidFill>
-                <a:effectLst/>
-                <a:latin typeface="Times New Roman" panose="02020603050405020304" pitchFamily="18" charset="0"/>
-                <a:ea typeface="Calibri" panose="020F0502020204030204" pitchFamily="34" charset="0"/>
-                <a:cs typeface="Times New Roman" panose="02020603050405020304" pitchFamily="18" charset="0"/>
-              </a:rPr>
-              <a:t>Electricity meter</a:t>
-            </a:r>
-          </a:p>
-          <a:p>
-            <a:pPr marL="685800" marR="0" algn="just">
-              <a:lnSpc>
-                <a:spcPct val="107000"/>
-              </a:lnSpc>
-              <a:spcBef>
-                <a:spcPts val="0"/>
-              </a:spcBef>
-              <a:spcAft>
-                <a:spcPts val="800"/>
-              </a:spcAft>
-            </a:pPr>
-            <a:r>
-              <a:rPr lang="en-US" sz="2000" b="1" dirty="0">
-                <a:solidFill>
-                  <a:schemeClr val="tx1"/>
-                </a:solidFill>
-                <a:effectLst/>
-                <a:latin typeface="Times New Roman" panose="02020603050405020304" pitchFamily="18" charset="0"/>
-                <a:ea typeface="Calibri" panose="020F0502020204030204" pitchFamily="34" charset="0"/>
-                <a:cs typeface="Times New Roman" panose="02020603050405020304" pitchFamily="18" charset="0"/>
-              </a:rPr>
-              <a:t>Water meter</a:t>
-            </a:r>
-          </a:p>
-          <a:p>
-            <a:pPr marL="0" indent="0">
-              <a:buNone/>
-            </a:pPr>
-            <a:endParaRPr lang="en-US" dirty="0"/>
-          </a:p>
-        </p:txBody>
-      </p:sp>
-    </p:spTree>
-    <p:extLst>
-      <p:ext uri="{BB962C8B-B14F-4D97-AF65-F5344CB8AC3E}">
-        <p14:creationId xmlns:p14="http://schemas.microsoft.com/office/powerpoint/2010/main" val="1525075817"/>
-      </p:ext>
-    </p:extLst>
-  </p:cSld>
-  <p:clrMapOvr>
-    <a:masterClrMapping/>
-  </p:clrMapOvr>
 </p:sld>
 </file>
 
@@ -8858,7 +9233,7 @@
           <p:cNvPr id="2" name="Title 1">
             <a:extLst>
               <a:ext uri="{FF2B5EF4-FFF2-40B4-BE49-F238E27FC236}">
-                <a16:creationId xmlns:a16="http://schemas.microsoft.com/office/drawing/2014/main" id="{59189CEE-BE62-CC58-36E6-63D304AA4B28}"/>
+                <a16:creationId xmlns:a16="http://schemas.microsoft.com/office/drawing/2014/main" id="{1391957D-17B1-6A2E-431E-BD18ACF05435}"/>
               </a:ext>
             </a:extLst>
           </p:cNvPr>
@@ -8871,8 +9246,8 @@
         </p:nvSpPr>
         <p:spPr>
           <a:xfrm>
-            <a:off x="581193" y="4693389"/>
-            <a:ext cx="11029616" cy="566738"/>
+            <a:off x="581193" y="4343400"/>
+            <a:ext cx="11029616" cy="916727"/>
           </a:xfrm>
         </p:spPr>
         <p:txBody>
@@ -8882,21 +9257,18 @@
           <a:lstStyle/>
           <a:p>
             <a:r>
-              <a:rPr lang="en-US" b="1" i="1" dirty="0">
-                <a:latin typeface="Times New Roman" panose="02020603050405020304" pitchFamily="18" charset="0"/>
-                <a:cs typeface="Times New Roman" panose="02020603050405020304" pitchFamily="18" charset="0"/>
-              </a:rPr>
-              <a:t>Design smart cities </a:t>
+              <a:rPr lang="en-US" sz="2800" b="1" i="1" dirty="0"/>
+              <a:t>Designs smart house </a:t>
             </a:r>
           </a:p>
         </p:txBody>
       </p:sp>
       <p:pic>
         <p:nvPicPr>
-          <p:cNvPr id="5" name="Picture 4" descr="A picture containing scene, harbor&#10;&#10;Description automatically generated">
+          <p:cNvPr id="5" name="Picture 4" descr="A picture containing text, sofa, indoor, living&#10;&#10;Description automatically generated">
             <a:extLst>
               <a:ext uri="{FF2B5EF4-FFF2-40B4-BE49-F238E27FC236}">
-                <a16:creationId xmlns:a16="http://schemas.microsoft.com/office/drawing/2014/main" id="{D431B7B7-528D-A0A7-15D1-C882300F82AB}"/>
+                <a16:creationId xmlns:a16="http://schemas.microsoft.com/office/drawing/2014/main" id="{B4FB47D1-6020-F96C-E60D-D09827E04125}"/>
               </a:ext>
             </a:extLst>
           </p:cNvPr>
@@ -8907,13 +9279,13 @@
         </p:nvPicPr>
         <p:blipFill rotWithShape="1">
           <a:blip r:embed="rId2"/>
-          <a:srcRect t="43238" r="-1" b="9562"/>
+          <a:srcRect t="14847" r="-1" b="28893"/>
           <a:stretch/>
         </p:blipFill>
         <p:spPr>
           <a:xfrm>
             <a:off x="447817" y="599725"/>
-            <a:ext cx="11290859" cy="4093664"/>
+            <a:ext cx="11290859" cy="3924650"/>
           </a:xfrm>
           <a:prstGeom prst="rect">
             <a:avLst/>
@@ -8926,7 +9298,7 @@
           <p:cNvPr id="3" name="Content Placeholder 2">
             <a:extLst>
               <a:ext uri="{FF2B5EF4-FFF2-40B4-BE49-F238E27FC236}">
-                <a16:creationId xmlns:a16="http://schemas.microsoft.com/office/drawing/2014/main" id="{AA97EECC-93F9-AA2B-03B1-4FA9FBCB911D}"/>
+                <a16:creationId xmlns:a16="http://schemas.microsoft.com/office/drawing/2014/main" id="{430C6FFA-E0B6-21C3-8199-19B3C1645405}"/>
               </a:ext>
             </a:extLst>
           </p:cNvPr>
@@ -8939,42 +9311,26 @@
         </p:nvSpPr>
         <p:spPr>
           <a:xfrm>
-            <a:off x="581190" y="5410200"/>
-            <a:ext cx="11029617" cy="1190625"/>
+            <a:off x="581192" y="5260127"/>
+            <a:ext cx="11029617" cy="1245448"/>
           </a:xfrm>
         </p:spPr>
         <p:txBody>
           <a:bodyPr anchor="ctr">
-            <a:normAutofit/>
+            <a:normAutofit fontScale="70000" lnSpcReduction="20000"/>
           </a:bodyPr>
           <a:lstStyle/>
           <a:p>
             <a:r>
-              <a:rPr lang="en-US" sz="2000" b="1" dirty="0">
+              <a:rPr lang="en-US" sz="3400" b="1" dirty="0">
                 <a:effectLst/>
                 <a:latin typeface="Times New Roman" panose="02020603050405020304" pitchFamily="18" charset="0"/>
                 <a:cs typeface="Times New Roman" panose="02020603050405020304" pitchFamily="18" charset="0"/>
               </a:rPr>
-              <a:t>The Internet of Things (IoT) can aid in the design of smart cities by monitoring air quality, recognizing emergency routes, illuminating the city efficiently, watering gardens, and other </a:t>
-            </a:r>
-            <a:r>
-              <a:rPr lang="en-US" sz="2000" b="1" i="1" dirty="0">
-                <a:effectLst/>
-                <a:latin typeface="Times New Roman" panose="02020603050405020304" pitchFamily="18" charset="0"/>
-                <a:cs typeface="Times New Roman" panose="02020603050405020304" pitchFamily="18" charset="0"/>
-              </a:rPr>
-              <a:t>functions.</a:t>
-            </a:r>
-            <a:endParaRPr lang="en-US" sz="2000" b="1" dirty="0">
-              <a:effectLst/>
-              <a:latin typeface="Times New Roman" panose="02020603050405020304" pitchFamily="18" charset="0"/>
-              <a:cs typeface="Times New Roman" panose="02020603050405020304" pitchFamily="18" charset="0"/>
-            </a:endParaRPr>
-          </a:p>
-          <a:p>
-            <a:pPr marL="0" indent="0">
-              <a:buNone/>
-            </a:pPr>
+              <a:t>The Internet of Things (IoT) may assist in designing smart homes in various ways, including energy consumption management, communication with appliances, emergency detection, home safety, accessible object searching, home security, etc.</a:t>
+            </a:r>
+          </a:p>
+          <a:p>
             <a:endParaRPr lang="en-US" dirty="0"/>
           </a:p>
         </p:txBody>
@@ -8982,7 +9338,7 @@
     </p:spTree>
     <p:extLst>
       <p:ext uri="{BB962C8B-B14F-4D97-AF65-F5344CB8AC3E}">
-        <p14:creationId xmlns:p14="http://schemas.microsoft.com/office/powerpoint/2010/main" val="1393581039"/>
+        <p14:creationId xmlns:p14="http://schemas.microsoft.com/office/powerpoint/2010/main" val="2891139786"/>
       </p:ext>
     </p:extLst>
   </p:cSld>
